--- a/bits-and-pieces/presentation..pptx
+++ b/bits-and-pieces/presentation..pptx
@@ -1616,7 +1616,7 @@
               <a:rPr b="0" lang="en-GB" sz="1400" spc="-1" strike="noStrike">
                 <a:latin typeface="Times New Roman"/>
               </a:rPr>
-              <a:t> </a:t>
+              <a:t>&lt;date/time&gt;</a:t>
             </a:r>
             <a:endParaRPr b="0" lang="en-GB" sz="1400" spc="-1" strike="noStrike">
               <a:latin typeface="Times New Roman"/>
@@ -1651,7 +1651,7 @@
               <a:rPr b="0" lang="en-GB" sz="1400" spc="-1" strike="noStrike">
                 <a:latin typeface="Times New Roman"/>
               </a:rPr>
-              <a:t> </a:t>
+              <a:t>&lt;footer&gt;</a:t>
             </a:r>
             <a:endParaRPr b="0" lang="en-GB" sz="1400" spc="-1" strike="noStrike">
               <a:latin typeface="Times New Roman"/>
@@ -1682,11 +1682,11 @@
           <a:bodyPr lIns="0" rIns="0" tIns="0" bIns="0"/>
           <a:p>
             <a:pPr algn="r"/>
-            <a:fld id="{FDF2A12E-0181-4614-A905-C8364E096EDD}" type="slidenum">
+            <a:fld id="{087D6BEE-6E3E-44AC-AD7C-12EFDAE02A20}" type="slidenum">
               <a:rPr b="0" lang="en-GB" sz="1400" spc="-1" strike="noStrike">
                 <a:latin typeface="Times New Roman"/>
               </a:rPr>
-              <a:t>15</a:t>
+              <a:t>&lt;number&gt;</a:t>
             </a:fld>
             <a:endParaRPr b="0" lang="en-GB" sz="1400" spc="-1" strike="noStrike">
               <a:latin typeface="Times New Roman"/>
@@ -1921,7 +1921,13 @@
               <a:rPr b="0" lang="en-GB" sz="3200" spc="-1" strike="noStrike">
                 <a:latin typeface="Arial"/>
               </a:rPr>
-              <a:t>Small Python programs that (usually) run an OS level task</a:t>
+              <a:t>Small Python programs that (usually) run an </a:t>
+            </a:r>
+            <a:r>
+              <a:rPr b="0" lang="en-GB" sz="3200" spc="-1" strike="noStrike">
+                <a:latin typeface="Arial"/>
+              </a:rPr>
+              <a:t>OS level task</a:t>
             </a:r>
             <a:endParaRPr b="0" lang="en-GB" sz="3200" spc="-1" strike="noStrike">
               <a:latin typeface="Arial"/>
@@ -1949,7 +1955,13 @@
               <a:rPr b="0" lang="en-GB" sz="2400" spc="-1" strike="noStrike">
                 <a:latin typeface="Courier New"/>
               </a:rPr>
-              <a:t>arecord -q -f cd -c 2 -D hw:0,0 --duration 30 </a:t>
+              <a:t>arecord -q -f cd -c 2 -D hw:0,0 </a:t>
+            </a:r>
+            <a:r>
+              <a:rPr b="0" lang="en-GB" sz="2400" spc="-1" strike="noStrike">
+                <a:latin typeface="Courier New"/>
+              </a:rPr>
+              <a:t>--duration 30 </a:t>
             </a:r>
             <a:r>
               <a:rPr b="0" lang="en-GB" sz="3200" spc="-1" strike="noStrike">
@@ -1995,29 +2007,41 @@
               <a:rPr b="0" lang="en-GB" sz="3200" spc="-1" strike="noStrike">
                 <a:latin typeface="Arial"/>
               </a:rPr>
-              <a:t> so can experiment/debug</a:t>
-            </a:r>
-            <a:endParaRPr b="0" lang="en-GB" sz="3200" spc="-1" strike="noStrike">
-              <a:latin typeface="Arial"/>
-            </a:endParaRPr>
-          </a:p>
-          <a:p>
-            <a:pPr marL="432000" indent="-324000">
-              <a:spcBef>
-                <a:spcPts val="1417"/>
-              </a:spcBef>
-              <a:buClr>
-                <a:srgbClr val="000000"/>
-              </a:buClr>
-              <a:buSzPct val="45000"/>
-              <a:buFont typeface="Wingdings" charset="2"/>
-              <a:buChar char=""/>
-            </a:pPr>
-            <a:r>
-              <a:rPr b="0" lang="en-GB" sz="3200" spc="-1" strike="noStrike">
-                <a:latin typeface="Arial"/>
-              </a:rPr>
-              <a:t>Control external AI (transcription etc.) this can be turned off in </a:t>
+              <a:t> </a:t>
+            </a:r>
+            <a:r>
+              <a:rPr b="0" lang="en-GB" sz="3200" spc="-1" strike="noStrike">
+                <a:latin typeface="Arial"/>
+              </a:rPr>
+              <a:t>so can experiment/debug</a:t>
+            </a:r>
+            <a:endParaRPr b="0" lang="en-GB" sz="3200" spc="-1" strike="noStrike">
+              <a:latin typeface="Arial"/>
+            </a:endParaRPr>
+          </a:p>
+          <a:p>
+            <a:pPr marL="432000" indent="-324000">
+              <a:spcBef>
+                <a:spcPts val="1417"/>
+              </a:spcBef>
+              <a:buClr>
+                <a:srgbClr val="000000"/>
+              </a:buClr>
+              <a:buSzPct val="45000"/>
+              <a:buFont typeface="Wingdings" charset="2"/>
+              <a:buChar char=""/>
+            </a:pPr>
+            <a:r>
+              <a:rPr b="0" lang="en-GB" sz="3200" spc="-1" strike="noStrike">
+                <a:latin typeface="Arial"/>
+              </a:rPr>
+              <a:t>Control external AI (transcription etc.) this can </a:t>
+            </a:r>
+            <a:r>
+              <a:rPr b="0" lang="en-GB" sz="3200" spc="-1" strike="noStrike">
+                <a:latin typeface="Arial"/>
+              </a:rPr>
+              <a:t>be turned off in </a:t>
             </a:r>
             <a:r>
               <a:rPr b="0" lang="en-GB" sz="2200" spc="-1" strike="noStrike">
@@ -3076,7 +3100,7 @@
               <a:rPr b="0" lang="en-GB" sz="3200" spc="-1" strike="noStrike">
                 <a:latin typeface="Arial"/>
               </a:rPr>
-              <a:t>Licence given assorted licences for components</a:t>
+              <a:t>Licence given the assorted licences for components</a:t>
             </a:r>
             <a:endParaRPr b="0" lang="en-GB" sz="3200" spc="-1" strike="noStrike">
               <a:latin typeface="Arial"/>
@@ -3738,41 +3762,29 @@
               <a:rPr b="0" lang="en-GB" sz="3200" spc="-1" strike="noStrike">
                 <a:latin typeface="Arial"/>
               </a:rPr>
-              <a:t>Think Alexis or Mycroft, open source home </a:t>
-            </a:r>
-            <a:r>
-              <a:rPr b="0" lang="en-GB" sz="3200" spc="-1" strike="noStrike">
-                <a:latin typeface="Arial"/>
-              </a:rPr>
-              <a:t>assistant (HA) with voice command</a:t>
-            </a:r>
-            <a:endParaRPr b="0" lang="en-GB" sz="3200" spc="-1" strike="noStrike">
-              <a:latin typeface="Arial"/>
-            </a:endParaRPr>
-          </a:p>
-          <a:p>
-            <a:pPr marL="432000" indent="-324000">
-              <a:spcBef>
-                <a:spcPts val="1417"/>
-              </a:spcBef>
-              <a:buClr>
-                <a:srgbClr val="000000"/>
-              </a:buClr>
-              <a:buSzPct val="45000"/>
-              <a:buFont typeface="Wingdings" charset="2"/>
-              <a:buChar char=""/>
-            </a:pPr>
-            <a:r>
-              <a:rPr b="0" lang="en-GB" sz="3200" spc="-1" strike="noStrike">
-                <a:latin typeface="Arial"/>
-              </a:rPr>
-              <a:t>I rejected Mycroft because it's tightly linked to </a:t>
-            </a:r>
-            <a:r>
-              <a:rPr b="0" lang="en-GB" sz="3200" spc="-1" strike="noStrike">
-                <a:latin typeface="Arial"/>
-              </a:rPr>
-              <a:t>the cloud, Rhasspy gives 'choice'</a:t>
+              <a:t>Think Alexis or Mycroft, open source home assistant (HA) with voice command</a:t>
+            </a:r>
+            <a:endParaRPr b="0" lang="en-GB" sz="3200" spc="-1" strike="noStrike">
+              <a:latin typeface="Arial"/>
+            </a:endParaRPr>
+          </a:p>
+          <a:p>
+            <a:pPr marL="432000" indent="-324000">
+              <a:spcBef>
+                <a:spcPts val="1417"/>
+              </a:spcBef>
+              <a:buClr>
+                <a:srgbClr val="000000"/>
+              </a:buClr>
+              <a:buSzPct val="45000"/>
+              <a:buFont typeface="Wingdings" charset="2"/>
+              <a:buChar char=""/>
+            </a:pPr>
+            <a:r>
+              <a:rPr b="0" lang="en-GB" sz="3200" spc="-1" strike="noStrike">
+                <a:latin typeface="Arial"/>
+              </a:rPr>
+              <a:t>I rejected Mycroft because it's tightly linked to the cloud, Rhasspy gives 'choice'</a:t>
             </a:r>
             <a:endParaRPr b="0" lang="en-GB" sz="3200" spc="-1" strike="noStrike">
               <a:latin typeface="Arial"/>
@@ -4845,29 +4857,41 @@
               <a:rPr b="0" lang="en-GB" sz="3200" spc="-1" strike="noStrike">
                 <a:latin typeface="Arial"/>
               </a:rPr>
-              <a:t>Takes an Intent (take photo, for example) and dispatches to a specialised program</a:t>
-            </a:r>
-            <a:endParaRPr b="0" lang="en-GB" sz="3200" spc="-1" strike="noStrike">
-              <a:latin typeface="Arial"/>
-            </a:endParaRPr>
-          </a:p>
-          <a:p>
-            <a:pPr marL="432000" indent="-324000">
-              <a:spcBef>
-                <a:spcPts val="1417"/>
-              </a:spcBef>
-              <a:buClr>
-                <a:srgbClr val="000000"/>
-              </a:buClr>
-              <a:buSzPct val="45000"/>
-              <a:buFont typeface="Wingdings" charset="2"/>
-              <a:buChar char=""/>
-            </a:pPr>
-            <a:r>
-              <a:rPr b="0" lang="en-GB" sz="3200" spc="-1" strike="noStrike">
-                <a:latin typeface="Arial"/>
-              </a:rPr>
-              <a:t>Dispatch table for intents (can be done in Node-Red) but finer control here</a:t>
+              <a:t>Takes an Intent (take photo, for example) and </a:t>
+            </a:r>
+            <a:r>
+              <a:rPr b="0" lang="en-GB" sz="3200" spc="-1" strike="noStrike">
+                <a:latin typeface="Arial"/>
+              </a:rPr>
+              <a:t>dispatches to a specialised program</a:t>
+            </a:r>
+            <a:endParaRPr b="0" lang="en-GB" sz="3200" spc="-1" strike="noStrike">
+              <a:latin typeface="Arial"/>
+            </a:endParaRPr>
+          </a:p>
+          <a:p>
+            <a:pPr marL="432000" indent="-324000">
+              <a:spcBef>
+                <a:spcPts val="1417"/>
+              </a:spcBef>
+              <a:buClr>
+                <a:srgbClr val="000000"/>
+              </a:buClr>
+              <a:buSzPct val="45000"/>
+              <a:buFont typeface="Wingdings" charset="2"/>
+              <a:buChar char=""/>
+            </a:pPr>
+            <a:r>
+              <a:rPr b="0" lang="en-GB" sz="3200" spc="-1" strike="noStrike">
+                <a:latin typeface="Arial"/>
+              </a:rPr>
+              <a:t>Dispatch table for intents (can be done in </a:t>
+            </a:r>
+            <a:r>
+              <a:rPr b="0" lang="en-GB" sz="3200" spc="-1" strike="noStrike">
+                <a:latin typeface="Arial"/>
+              </a:rPr>
+              <a:t>Node-Red) but finer control here</a:t>
             </a:r>
             <a:endParaRPr b="0" lang="en-GB" sz="3200" spc="-1" strike="noStrike">
               <a:latin typeface="Arial"/>

--- a/bits-and-pieces/presentation..pptx
+++ b/bits-and-pieces/presentation..pptx
@@ -31,6 +31,7 @@
     <p:sldId id="276" r:id="rId26"/>
     <p:sldId id="277" r:id="rId27"/>
     <p:sldId id="278" r:id="rId28"/>
+    <p:sldId id="279" r:id="rId29"/>
   </p:sldIdLst>
   <p:sldSz cx="10080625" cy="5670550"/>
   <p:notesSz cx="7559675" cy="10691812"/>
@@ -6395,7 +6396,7 @@
         <p:spPr>
           <a:xfrm>
             <a:off x="2304000" y="2088000"/>
-            <a:ext cx="4822920" cy="790920"/>
+            <a:ext cx="4822200" cy="790200"/>
           </a:xfrm>
           <a:prstGeom prst="rect">
             <a:avLst/>
@@ -6421,7 +6422,7 @@
         <p:spPr>
           <a:xfrm>
             <a:off x="504000" y="226080"/>
-            <a:ext cx="9070560" cy="4387320"/>
+            <a:ext cx="9069840" cy="4386600"/>
           </a:xfrm>
           <a:prstGeom prst="rect">
             <a:avLst/>
@@ -6530,29 +6531,231 @@
           <a:chExt cx="0" cy="0"/>
         </a:xfrm>
       </p:grpSpPr>
-      <p:pic>
-        <p:nvPicPr>
-          <p:cNvPr id="167" name="" descr=""/>
-          <p:cNvPicPr/>
+      <p:sp>
+        <p:nvSpPr>
+          <p:cNvPr id="167" name="CustomShape 1"/>
+          <p:cNvSpPr/>
           <p:nvPr/>
-        </p:nvPicPr>
-        <p:blipFill>
-          <a:blip r:embed="rId1"/>
-          <a:stretch/>
-        </p:blipFill>
-        <p:spPr>
-          <a:xfrm>
-            <a:off x="755280" y="473400"/>
-            <a:ext cx="8667000" cy="4876200"/>
-          </a:xfrm>
-          <a:prstGeom prst="rect">
-            <a:avLst/>
-          </a:prstGeom>
+        </p:nvSpPr>
+        <p:spPr>
+          <a:xfrm>
+            <a:off x="504000" y="226080"/>
+            <a:ext cx="9069840" cy="944640"/>
+          </a:xfrm>
+          <a:prstGeom prst="rect">
+            <a:avLst/>
+          </a:prstGeom>
+          <a:noFill/>
           <a:ln>
             <a:noFill/>
           </a:ln>
         </p:spPr>
-      </p:pic>
+        <p:style>
+          <a:lnRef idx="0"/>
+          <a:fillRef idx="0"/>
+          <a:effectRef idx="0"/>
+          <a:fontRef idx="minor"/>
+        </p:style>
+        <p:txBody>
+          <a:bodyPr lIns="0" rIns="0" tIns="0" bIns="0" anchor="ctr"/>
+          <a:p>
+            <a:pPr algn="ctr">
+              <a:lnSpc>
+                <a:spcPct val="100000"/>
+              </a:lnSpc>
+            </a:pPr>
+            <a:r>
+              <a:rPr b="0" lang="en-GB" sz="4400" spc="-1" strike="noStrike">
+                <a:solidFill>
+                  <a:srgbClr val="000000"/>
+                </a:solidFill>
+                <a:latin typeface="Arial"/>
+                <a:ea typeface="DejaVu Sans"/>
+              </a:rPr>
+              <a:t>Mosquitto Port 1883</a:t>
+            </a:r>
+            <a:endParaRPr b="0" lang="en-GB" sz="4400" spc="-1" strike="noStrike">
+              <a:latin typeface="Arial"/>
+            </a:endParaRPr>
+          </a:p>
+        </p:txBody>
+      </p:sp>
+      <p:sp>
+        <p:nvSpPr>
+          <p:cNvPr id="168" name="CustomShape 2"/>
+          <p:cNvSpPr/>
+          <p:nvPr/>
+        </p:nvSpPr>
+        <p:spPr>
+          <a:xfrm>
+            <a:off x="504000" y="1326600"/>
+            <a:ext cx="9069840" cy="3286440"/>
+          </a:xfrm>
+          <a:prstGeom prst="rect">
+            <a:avLst/>
+          </a:prstGeom>
+          <a:noFill/>
+          <a:ln>
+            <a:noFill/>
+          </a:ln>
+        </p:spPr>
+        <p:style>
+          <a:lnRef idx="0"/>
+          <a:fillRef idx="0"/>
+          <a:effectRef idx="0"/>
+          <a:fontRef idx="minor"/>
+        </p:style>
+        <p:txBody>
+          <a:bodyPr lIns="0" rIns="0" tIns="0" bIns="0">
+            <a:normAutofit/>
+          </a:bodyPr>
+          <a:p>
+            <a:pPr marL="432000" indent="-322200">
+              <a:lnSpc>
+                <a:spcPct val="100000"/>
+              </a:lnSpc>
+              <a:spcBef>
+                <a:spcPts val="1417"/>
+              </a:spcBef>
+              <a:buClr>
+                <a:srgbClr val="000000"/>
+              </a:buClr>
+              <a:buSzPct val="45000"/>
+              <a:buFont typeface="Wingdings" charset="2"/>
+              <a:buChar char=""/>
+            </a:pPr>
+            <a:r>
+              <a:rPr b="0" lang="en-GB" sz="3200" spc="-1" strike="noStrike">
+                <a:solidFill>
+                  <a:srgbClr val="000000"/>
+                </a:solidFill>
+                <a:latin typeface="Arial"/>
+                <a:ea typeface="DejaVu Sans"/>
+              </a:rPr>
+              <a:t>Message broker</a:t>
+            </a:r>
+            <a:endParaRPr b="0" lang="en-GB" sz="3200" spc="-1" strike="noStrike">
+              <a:latin typeface="Arial"/>
+            </a:endParaRPr>
+          </a:p>
+          <a:p>
+            <a:pPr marL="432000" indent="-322200">
+              <a:lnSpc>
+                <a:spcPct val="100000"/>
+              </a:lnSpc>
+              <a:spcBef>
+                <a:spcPts val="1417"/>
+              </a:spcBef>
+              <a:buClr>
+                <a:srgbClr val="000000"/>
+              </a:buClr>
+              <a:buSzPct val="45000"/>
+              <a:buFont typeface="Wingdings" charset="2"/>
+              <a:buChar char=""/>
+            </a:pPr>
+            <a:r>
+              <a:rPr b="0" lang="en-GB" sz="3200" spc="-1" strike="noStrike">
+                <a:solidFill>
+                  <a:srgbClr val="000000"/>
+                </a:solidFill>
+                <a:latin typeface="Arial"/>
+                <a:ea typeface="DejaVu Sans"/>
+              </a:rPr>
+              <a:t>(Currently) Listens for 'intent' messages</a:t>
+            </a:r>
+            <a:endParaRPr b="0" lang="en-GB" sz="3200" spc="-1" strike="noStrike">
+              <a:latin typeface="Arial"/>
+            </a:endParaRPr>
+          </a:p>
+          <a:p>
+            <a:pPr marL="432000" indent="-322200">
+              <a:lnSpc>
+                <a:spcPct val="100000"/>
+              </a:lnSpc>
+              <a:spcBef>
+                <a:spcPts val="1417"/>
+              </a:spcBef>
+              <a:buClr>
+                <a:srgbClr val="000000"/>
+              </a:buClr>
+              <a:buSzPct val="45000"/>
+              <a:buFont typeface="Wingdings" charset="2"/>
+              <a:buChar char=""/>
+            </a:pPr>
+            <a:r>
+              <a:rPr b="0" lang="en-GB" sz="3200" spc="-1" strike="noStrike">
+                <a:solidFill>
+                  <a:srgbClr val="000000"/>
+                </a:solidFill>
+                <a:latin typeface="Arial"/>
+                <a:ea typeface="DejaVu Sans"/>
+              </a:rPr>
+              <a:t>Publishes them to Node-Red</a:t>
+            </a:r>
+            <a:endParaRPr b="0" lang="en-GB" sz="3200" spc="-1" strike="noStrike">
+              <a:latin typeface="Arial"/>
+            </a:endParaRPr>
+          </a:p>
+          <a:p>
+            <a:pPr marL="432000" indent="-322200">
+              <a:lnSpc>
+                <a:spcPct val="100000"/>
+              </a:lnSpc>
+              <a:spcBef>
+                <a:spcPts val="1417"/>
+              </a:spcBef>
+              <a:buClr>
+                <a:srgbClr val="000000"/>
+              </a:buClr>
+              <a:buSzPct val="45000"/>
+              <a:buFont typeface="Wingdings" charset="2"/>
+              <a:buChar char=""/>
+            </a:pPr>
+            <a:r>
+              <a:rPr b="0" lang="en-GB" sz="3200" spc="-1" strike="noStrike">
+                <a:solidFill>
+                  <a:srgbClr val="000000"/>
+                </a:solidFill>
+                <a:latin typeface="Arial"/>
+                <a:ea typeface="DejaVu Sans"/>
+              </a:rPr>
+              <a:t>Node-Red does local processing in a 'flow'</a:t>
+            </a:r>
+            <a:endParaRPr b="0" lang="en-GB" sz="3200" spc="-1" strike="noStrike">
+              <a:latin typeface="Arial"/>
+            </a:endParaRPr>
+          </a:p>
+          <a:p>
+            <a:pPr marL="432000" indent="-322200">
+              <a:lnSpc>
+                <a:spcPct val="100000"/>
+              </a:lnSpc>
+              <a:spcBef>
+                <a:spcPts val="1417"/>
+              </a:spcBef>
+              <a:buClr>
+                <a:srgbClr val="000000"/>
+              </a:buClr>
+              <a:buSzPct val="45000"/>
+              <a:buFont typeface="Wingdings" charset="2"/>
+              <a:buChar char=""/>
+            </a:pPr>
+            <a:r>
+              <a:rPr b="0" lang="en-GB" sz="3200" spc="-1" strike="noStrike">
+                <a:solidFill>
+                  <a:srgbClr val="000000"/>
+                </a:solidFill>
+                <a:latin typeface="Arial"/>
+                <a:ea typeface="DejaVu Sans"/>
+              </a:rPr>
+              <a:t>Node-Red pushes them towards the custom bit</a:t>
+            </a:r>
+            <a:endParaRPr b="0" lang="en-GB" sz="3200" spc="-1" strike="noStrike">
+              <a:latin typeface="Arial"/>
+            </a:endParaRPr>
+          </a:p>
+        </p:txBody>
+      </p:sp>
     </p:spTree>
   </p:cSld>
   <p:timing>
@@ -6602,231 +6805,29 @@
           <a:chExt cx="0" cy="0"/>
         </a:xfrm>
       </p:grpSpPr>
-      <p:sp>
-        <p:nvSpPr>
-          <p:cNvPr id="168" name="CustomShape 1"/>
-          <p:cNvSpPr/>
+      <p:pic>
+        <p:nvPicPr>
+          <p:cNvPr id="169" name="" descr=""/>
+          <p:cNvPicPr/>
           <p:nvPr/>
-        </p:nvSpPr>
-        <p:spPr>
-          <a:xfrm>
-            <a:off x="504000" y="226080"/>
-            <a:ext cx="9070560" cy="945360"/>
-          </a:xfrm>
-          <a:prstGeom prst="rect">
-            <a:avLst/>
-          </a:prstGeom>
-          <a:noFill/>
+        </p:nvPicPr>
+        <p:blipFill>
+          <a:blip r:embed="rId1"/>
+          <a:stretch/>
+        </p:blipFill>
+        <p:spPr>
+          <a:xfrm>
+            <a:off x="755280" y="473400"/>
+            <a:ext cx="8666280" cy="4875480"/>
+          </a:xfrm>
+          <a:prstGeom prst="rect">
+            <a:avLst/>
+          </a:prstGeom>
           <a:ln>
             <a:noFill/>
           </a:ln>
         </p:spPr>
-        <p:style>
-          <a:lnRef idx="0"/>
-          <a:fillRef idx="0"/>
-          <a:effectRef idx="0"/>
-          <a:fontRef idx="minor"/>
-        </p:style>
-        <p:txBody>
-          <a:bodyPr lIns="0" rIns="0" tIns="0" bIns="0" anchor="ctr"/>
-          <a:p>
-            <a:pPr algn="ctr">
-              <a:lnSpc>
-                <a:spcPct val="100000"/>
-              </a:lnSpc>
-            </a:pPr>
-            <a:r>
-              <a:rPr b="0" lang="en-GB" sz="4400" spc="-1" strike="noStrike">
-                <a:solidFill>
-                  <a:srgbClr val="000000"/>
-                </a:solidFill>
-                <a:latin typeface="Arial"/>
-                <a:ea typeface="DejaVu Sans"/>
-              </a:rPr>
-              <a:t>Quick Review</a:t>
-            </a:r>
-            <a:endParaRPr b="0" lang="en-GB" sz="4400" spc="-1" strike="noStrike">
-              <a:latin typeface="Arial"/>
-            </a:endParaRPr>
-          </a:p>
-        </p:txBody>
-      </p:sp>
-      <p:sp>
-        <p:nvSpPr>
-          <p:cNvPr id="169" name="CustomShape 2"/>
-          <p:cNvSpPr/>
-          <p:nvPr/>
-        </p:nvSpPr>
-        <p:spPr>
-          <a:xfrm>
-            <a:off x="504000" y="1326600"/>
-            <a:ext cx="9070560" cy="3287160"/>
-          </a:xfrm>
-          <a:prstGeom prst="rect">
-            <a:avLst/>
-          </a:prstGeom>
-          <a:noFill/>
-          <a:ln>
-            <a:noFill/>
-          </a:ln>
-        </p:spPr>
-        <p:style>
-          <a:lnRef idx="0"/>
-          <a:fillRef idx="0"/>
-          <a:effectRef idx="0"/>
-          <a:fontRef idx="minor"/>
-        </p:style>
-        <p:txBody>
-          <a:bodyPr lIns="0" rIns="0" tIns="0" bIns="0">
-            <a:normAutofit/>
-          </a:bodyPr>
-          <a:p>
-            <a:pPr marL="432000" indent="-322920">
-              <a:lnSpc>
-                <a:spcPct val="100000"/>
-              </a:lnSpc>
-              <a:spcBef>
-                <a:spcPts val="1417"/>
-              </a:spcBef>
-              <a:buClr>
-                <a:srgbClr val="000000"/>
-              </a:buClr>
-              <a:buSzPct val="45000"/>
-              <a:buFont typeface="Wingdings" charset="2"/>
-              <a:buChar char=""/>
-            </a:pPr>
-            <a:r>
-              <a:rPr b="0" lang="en-GB" sz="3200" spc="-1" strike="noStrike">
-                <a:solidFill>
-                  <a:srgbClr val="000000"/>
-                </a:solidFill>
-                <a:latin typeface="Arial"/>
-                <a:ea typeface="DejaVu Sans"/>
-              </a:rPr>
-              <a:t>That seems like a lot?</a:t>
-            </a:r>
-            <a:endParaRPr b="0" lang="en-GB" sz="3200" spc="-1" strike="noStrike">
-              <a:latin typeface="Arial"/>
-            </a:endParaRPr>
-          </a:p>
-          <a:p>
-            <a:pPr marL="432000" indent="-322920">
-              <a:lnSpc>
-                <a:spcPct val="100000"/>
-              </a:lnSpc>
-              <a:spcBef>
-                <a:spcPts val="1417"/>
-              </a:spcBef>
-              <a:buClr>
-                <a:srgbClr val="000000"/>
-              </a:buClr>
-              <a:buSzPct val="45000"/>
-              <a:buFont typeface="Wingdings" charset="2"/>
-              <a:buChar char=""/>
-            </a:pPr>
-            <a:r>
-              <a:rPr b="0" lang="en-GB" sz="3200" spc="-1" strike="noStrike">
-                <a:solidFill>
-                  <a:srgbClr val="000000"/>
-                </a:solidFill>
-                <a:latin typeface="Arial"/>
-                <a:ea typeface="DejaVu Sans"/>
-              </a:rPr>
-              <a:t>But most of this is 'configured'</a:t>
-            </a:r>
-            <a:endParaRPr b="0" lang="en-GB" sz="3200" spc="-1" strike="noStrike">
-              <a:latin typeface="Arial"/>
-            </a:endParaRPr>
-          </a:p>
-          <a:p>
-            <a:pPr marL="432000" indent="-322920">
-              <a:lnSpc>
-                <a:spcPct val="100000"/>
-              </a:lnSpc>
-              <a:spcBef>
-                <a:spcPts val="1417"/>
-              </a:spcBef>
-              <a:buClr>
-                <a:srgbClr val="000000"/>
-              </a:buClr>
-              <a:buSzPct val="45000"/>
-              <a:buFont typeface="Wingdings" charset="2"/>
-              <a:buChar char=""/>
-            </a:pPr>
-            <a:r>
-              <a:rPr b="0" lang="en-GB" sz="3200" spc="-1" strike="noStrike">
-                <a:solidFill>
-                  <a:srgbClr val="000000"/>
-                </a:solidFill>
-                <a:latin typeface="Arial"/>
-                <a:ea typeface="DejaVu Sans"/>
-              </a:rPr>
-              <a:t>Very small amounts of custom work</a:t>
-            </a:r>
-            <a:endParaRPr b="0" lang="en-GB" sz="3200" spc="-1" strike="noStrike">
-              <a:latin typeface="Arial"/>
-            </a:endParaRPr>
-          </a:p>
-          <a:p>
-            <a:pPr marL="432000" indent="-322920">
-              <a:lnSpc>
-                <a:spcPct val="100000"/>
-              </a:lnSpc>
-              <a:spcBef>
-                <a:spcPts val="1417"/>
-              </a:spcBef>
-              <a:buClr>
-                <a:srgbClr val="000000"/>
-              </a:buClr>
-              <a:buSzPct val="45000"/>
-              <a:buFont typeface="Wingdings" charset="2"/>
-              <a:buChar char=""/>
-            </a:pPr>
-            <a:r>
-              <a:rPr b="0" lang="en-GB" sz="3200" spc="-1" strike="noStrike">
-                <a:solidFill>
-                  <a:srgbClr val="000000"/>
-                </a:solidFill>
-                <a:latin typeface="Arial"/>
-                <a:ea typeface="DejaVu Sans"/>
-              </a:rPr>
-              <a:t>Mainly integration and problem solving</a:t>
-            </a:r>
-            <a:endParaRPr b="0" lang="en-GB" sz="3200" spc="-1" strike="noStrike">
-              <a:latin typeface="Arial"/>
-            </a:endParaRPr>
-          </a:p>
-          <a:p>
-            <a:pPr marL="432000" indent="-322920">
-              <a:lnSpc>
-                <a:spcPct val="100000"/>
-              </a:lnSpc>
-              <a:spcBef>
-                <a:spcPts val="1417"/>
-              </a:spcBef>
-              <a:buClr>
-                <a:srgbClr val="000000"/>
-              </a:buClr>
-              <a:buSzPct val="45000"/>
-              <a:buFont typeface="Wingdings" charset="2"/>
-              <a:buChar char=""/>
-            </a:pPr>
-            <a:r>
-              <a:rPr b="0" lang="en-GB" sz="3200" spc="-1" strike="noStrike">
-                <a:solidFill>
-                  <a:srgbClr val="000000"/>
-                </a:solidFill>
-                <a:latin typeface="Arial"/>
-                <a:ea typeface="DejaVu Sans"/>
-              </a:rPr>
-              <a:t>Maintained/documented by respective projects</a:t>
-            </a:r>
-            <a:endParaRPr b="0" lang="en-GB" sz="3200" spc="-1" strike="noStrike">
-              <a:latin typeface="Arial"/>
-            </a:endParaRPr>
-          </a:p>
-        </p:txBody>
-      </p:sp>
+      </p:pic>
     </p:spTree>
   </p:cSld>
   <p:timing>
@@ -6885,7 +6886,7 @@
         <p:spPr>
           <a:xfrm>
             <a:off x="504000" y="226080"/>
-            <a:ext cx="9070560" cy="945360"/>
+            <a:ext cx="9069840" cy="944640"/>
           </a:xfrm>
           <a:prstGeom prst="rect">
             <a:avLst/>
@@ -6917,7 +6918,7 @@
                 <a:latin typeface="Arial"/>
                 <a:ea typeface="DejaVu Sans"/>
               </a:rPr>
-              <a:t>Intent Server(1) Port 8000</a:t>
+              <a:t>Quick Review</a:t>
             </a:r>
             <a:endParaRPr b="0" lang="en-GB" sz="4400" spc="-1" strike="noStrike">
               <a:latin typeface="Arial"/>
@@ -6934,7 +6935,7 @@
         <p:spPr>
           <a:xfrm>
             <a:off x="504000" y="1326600"/>
-            <a:ext cx="9070560" cy="3287160"/>
+            <a:ext cx="9069840" cy="3286440"/>
           </a:xfrm>
           <a:prstGeom prst="rect">
             <a:avLst/>
@@ -6955,7 +6956,7 @@
             <a:normAutofit/>
           </a:bodyPr>
           <a:p>
-            <a:pPr marL="432000" indent="-322920">
+            <a:pPr marL="432000" indent="-322200">
               <a:lnSpc>
                 <a:spcPct val="100000"/>
               </a:lnSpc>
@@ -6977,14 +6978,14 @@
                 <a:latin typeface="Arial"/>
                 <a:ea typeface="DejaVu Sans"/>
               </a:rPr>
-              <a:t>FastApi and Python based</a:t>
-            </a:r>
-            <a:endParaRPr b="0" lang="en-GB" sz="3200" spc="-1" strike="noStrike">
-              <a:latin typeface="Arial"/>
-            </a:endParaRPr>
-          </a:p>
-          <a:p>
-            <a:pPr marL="432000" indent="-322920">
+              <a:t>That seems like a lot?</a:t>
+            </a:r>
+            <a:endParaRPr b="0" lang="en-GB" sz="3200" spc="-1" strike="noStrike">
+              <a:latin typeface="Arial"/>
+            </a:endParaRPr>
+          </a:p>
+          <a:p>
+            <a:pPr marL="432000" indent="-322200">
               <a:lnSpc>
                 <a:spcPct val="100000"/>
               </a:lnSpc>
@@ -7006,14 +7007,14 @@
                 <a:latin typeface="Arial"/>
                 <a:ea typeface="DejaVu Sans"/>
               </a:rPr>
-              <a:t>Takes an Intent (take photo, for example) and dispatches to a specialised program</a:t>
-            </a:r>
-            <a:endParaRPr b="0" lang="en-GB" sz="3200" spc="-1" strike="noStrike">
-              <a:latin typeface="Arial"/>
-            </a:endParaRPr>
-          </a:p>
-          <a:p>
-            <a:pPr marL="432000" indent="-322920">
+              <a:t>But most of this is 'configured'</a:t>
+            </a:r>
+            <a:endParaRPr b="0" lang="en-GB" sz="3200" spc="-1" strike="noStrike">
+              <a:latin typeface="Arial"/>
+            </a:endParaRPr>
+          </a:p>
+          <a:p>
+            <a:pPr marL="432000" indent="-322200">
               <a:lnSpc>
                 <a:spcPct val="100000"/>
               </a:lnSpc>
@@ -7035,14 +7036,14 @@
                 <a:latin typeface="Arial"/>
                 <a:ea typeface="DejaVu Sans"/>
               </a:rPr>
-              <a:t>Dispatch table for intents (can be done in Node-Red) but finer control here</a:t>
-            </a:r>
-            <a:endParaRPr b="0" lang="en-GB" sz="3200" spc="-1" strike="noStrike">
-              <a:latin typeface="Arial"/>
-            </a:endParaRPr>
-          </a:p>
-          <a:p>
-            <a:pPr marL="432000" indent="-322920">
+              <a:t>Very small amounts of custom work</a:t>
+            </a:r>
+            <a:endParaRPr b="0" lang="en-GB" sz="3200" spc="-1" strike="noStrike">
+              <a:latin typeface="Arial"/>
+            </a:endParaRPr>
+          </a:p>
+          <a:p>
+            <a:pPr marL="432000" indent="-322200">
               <a:lnSpc>
                 <a:spcPct val="100000"/>
               </a:lnSpc>
@@ -7064,7 +7065,36 @@
                 <a:latin typeface="Arial"/>
                 <a:ea typeface="DejaVu Sans"/>
               </a:rPr>
-              <a:t>Writes to Sqlite3 database for memories</a:t>
+              <a:t>Mainly integration and problem solving</a:t>
+            </a:r>
+            <a:endParaRPr b="0" lang="en-GB" sz="3200" spc="-1" strike="noStrike">
+              <a:latin typeface="Arial"/>
+            </a:endParaRPr>
+          </a:p>
+          <a:p>
+            <a:pPr marL="432000" indent="-322200">
+              <a:lnSpc>
+                <a:spcPct val="100000"/>
+              </a:lnSpc>
+              <a:spcBef>
+                <a:spcPts val="1417"/>
+              </a:spcBef>
+              <a:buClr>
+                <a:srgbClr val="000000"/>
+              </a:buClr>
+              <a:buSzPct val="45000"/>
+              <a:buFont typeface="Wingdings" charset="2"/>
+              <a:buChar char=""/>
+            </a:pPr>
+            <a:r>
+              <a:rPr b="0" lang="en-GB" sz="3200" spc="-1" strike="noStrike">
+                <a:solidFill>
+                  <a:srgbClr val="000000"/>
+                </a:solidFill>
+                <a:latin typeface="Arial"/>
+                <a:ea typeface="DejaVu Sans"/>
+              </a:rPr>
+              <a:t>Maintained/documented by respective projects</a:t>
             </a:r>
             <a:endParaRPr b="0" lang="en-GB" sz="3200" spc="-1" strike="noStrike">
               <a:latin typeface="Arial"/>
@@ -7121,29 +7151,202 @@
           <a:chExt cx="0" cy="0"/>
         </a:xfrm>
       </p:grpSpPr>
-      <p:pic>
-        <p:nvPicPr>
-          <p:cNvPr id="172" name="" descr=""/>
-          <p:cNvPicPr/>
+      <p:sp>
+        <p:nvSpPr>
+          <p:cNvPr id="172" name="CustomShape 1"/>
+          <p:cNvSpPr/>
           <p:nvPr/>
-        </p:nvPicPr>
-        <p:blipFill>
-          <a:blip r:embed="rId1"/>
-          <a:stretch/>
-        </p:blipFill>
-        <p:spPr>
-          <a:xfrm>
-            <a:off x="48600" y="1018080"/>
-            <a:ext cx="10080000" cy="3786480"/>
-          </a:xfrm>
-          <a:prstGeom prst="rect">
-            <a:avLst/>
-          </a:prstGeom>
+        </p:nvSpPr>
+        <p:spPr>
+          <a:xfrm>
+            <a:off x="504000" y="226080"/>
+            <a:ext cx="9069840" cy="944640"/>
+          </a:xfrm>
+          <a:prstGeom prst="rect">
+            <a:avLst/>
+          </a:prstGeom>
+          <a:noFill/>
           <a:ln>
             <a:noFill/>
           </a:ln>
         </p:spPr>
-      </p:pic>
+        <p:style>
+          <a:lnRef idx="0"/>
+          <a:fillRef idx="0"/>
+          <a:effectRef idx="0"/>
+          <a:fontRef idx="minor"/>
+        </p:style>
+        <p:txBody>
+          <a:bodyPr lIns="0" rIns="0" tIns="0" bIns="0" anchor="ctr"/>
+          <a:p>
+            <a:pPr algn="ctr">
+              <a:lnSpc>
+                <a:spcPct val="100000"/>
+              </a:lnSpc>
+            </a:pPr>
+            <a:r>
+              <a:rPr b="0" lang="en-GB" sz="4400" spc="-1" strike="noStrike">
+                <a:solidFill>
+                  <a:srgbClr val="000000"/>
+                </a:solidFill>
+                <a:latin typeface="Arial"/>
+                <a:ea typeface="DejaVu Sans"/>
+              </a:rPr>
+              <a:t>Intent Server(1) Port 8000</a:t>
+            </a:r>
+            <a:endParaRPr b="0" lang="en-GB" sz="4400" spc="-1" strike="noStrike">
+              <a:latin typeface="Arial"/>
+            </a:endParaRPr>
+          </a:p>
+        </p:txBody>
+      </p:sp>
+      <p:sp>
+        <p:nvSpPr>
+          <p:cNvPr id="173" name="CustomShape 2"/>
+          <p:cNvSpPr/>
+          <p:nvPr/>
+        </p:nvSpPr>
+        <p:spPr>
+          <a:xfrm>
+            <a:off x="504000" y="1326600"/>
+            <a:ext cx="9069840" cy="3286440"/>
+          </a:xfrm>
+          <a:prstGeom prst="rect">
+            <a:avLst/>
+          </a:prstGeom>
+          <a:noFill/>
+          <a:ln>
+            <a:noFill/>
+          </a:ln>
+        </p:spPr>
+        <p:style>
+          <a:lnRef idx="0"/>
+          <a:fillRef idx="0"/>
+          <a:effectRef idx="0"/>
+          <a:fontRef idx="minor"/>
+        </p:style>
+        <p:txBody>
+          <a:bodyPr lIns="0" rIns="0" tIns="0" bIns="0">
+            <a:normAutofit/>
+          </a:bodyPr>
+          <a:p>
+            <a:pPr marL="432000" indent="-322200">
+              <a:lnSpc>
+                <a:spcPct val="100000"/>
+              </a:lnSpc>
+              <a:spcBef>
+                <a:spcPts val="1417"/>
+              </a:spcBef>
+              <a:buClr>
+                <a:srgbClr val="000000"/>
+              </a:buClr>
+              <a:buSzPct val="45000"/>
+              <a:buFont typeface="Wingdings" charset="2"/>
+              <a:buChar char=""/>
+            </a:pPr>
+            <a:r>
+              <a:rPr b="0" lang="en-GB" sz="3200" spc="-1" strike="noStrike">
+                <a:solidFill>
+                  <a:srgbClr val="000000"/>
+                </a:solidFill>
+                <a:latin typeface="Arial"/>
+                <a:ea typeface="DejaVu Sans"/>
+              </a:rPr>
+              <a:t>FastApi and Python based</a:t>
+            </a:r>
+            <a:endParaRPr b="0" lang="en-GB" sz="3200" spc="-1" strike="noStrike">
+              <a:latin typeface="Arial"/>
+            </a:endParaRPr>
+          </a:p>
+          <a:p>
+            <a:pPr marL="432000" indent="-322200">
+              <a:lnSpc>
+                <a:spcPct val="100000"/>
+              </a:lnSpc>
+              <a:spcBef>
+                <a:spcPts val="1417"/>
+              </a:spcBef>
+              <a:buClr>
+                <a:srgbClr val="000000"/>
+              </a:buClr>
+              <a:buSzPct val="45000"/>
+              <a:buFont typeface="Wingdings" charset="2"/>
+              <a:buChar char=""/>
+            </a:pPr>
+            <a:r>
+              <a:rPr b="0" lang="en-GB" sz="3200" spc="-1" strike="noStrike">
+                <a:solidFill>
+                  <a:srgbClr val="000000"/>
+                </a:solidFill>
+                <a:latin typeface="Arial"/>
+                <a:ea typeface="DejaVu Sans"/>
+              </a:rPr>
+              <a:t>Takes an Intent (take photo, for example) and dispatches to a specialised program</a:t>
+            </a:r>
+            <a:endParaRPr b="0" lang="en-GB" sz="3200" spc="-1" strike="noStrike">
+              <a:latin typeface="Arial"/>
+            </a:endParaRPr>
+          </a:p>
+          <a:p>
+            <a:pPr marL="432000" indent="-322200">
+              <a:lnSpc>
+                <a:spcPct val="100000"/>
+              </a:lnSpc>
+              <a:spcBef>
+                <a:spcPts val="1417"/>
+              </a:spcBef>
+              <a:buClr>
+                <a:srgbClr val="000000"/>
+              </a:buClr>
+              <a:buSzPct val="45000"/>
+              <a:buFont typeface="Wingdings" charset="2"/>
+              <a:buChar char=""/>
+            </a:pPr>
+            <a:r>
+              <a:rPr b="0" lang="en-GB" sz="3200" spc="-1" strike="noStrike">
+                <a:solidFill>
+                  <a:srgbClr val="000000"/>
+                </a:solidFill>
+                <a:latin typeface="Arial"/>
+                <a:ea typeface="DejaVu Sans"/>
+              </a:rPr>
+              <a:t>Dispatch table for intents (can be done in Node-Red) but finer control here</a:t>
+            </a:r>
+            <a:endParaRPr b="0" lang="en-GB" sz="3200" spc="-1" strike="noStrike">
+              <a:latin typeface="Arial"/>
+            </a:endParaRPr>
+          </a:p>
+          <a:p>
+            <a:pPr marL="432000" indent="-322200">
+              <a:lnSpc>
+                <a:spcPct val="100000"/>
+              </a:lnSpc>
+              <a:spcBef>
+                <a:spcPts val="1417"/>
+              </a:spcBef>
+              <a:buClr>
+                <a:srgbClr val="000000"/>
+              </a:buClr>
+              <a:buSzPct val="45000"/>
+              <a:buFont typeface="Wingdings" charset="2"/>
+              <a:buChar char=""/>
+            </a:pPr>
+            <a:r>
+              <a:rPr b="0" lang="en-GB" sz="3200" spc="-1" strike="noStrike">
+                <a:solidFill>
+                  <a:srgbClr val="000000"/>
+                </a:solidFill>
+                <a:latin typeface="Arial"/>
+                <a:ea typeface="DejaVu Sans"/>
+              </a:rPr>
+              <a:t>Writes to Sqlite3 database for memories</a:t>
+            </a:r>
+            <a:endParaRPr b="0" lang="en-GB" sz="3200" spc="-1" strike="noStrike">
+              <a:latin typeface="Arial"/>
+            </a:endParaRPr>
+          </a:p>
+        </p:txBody>
+      </p:sp>
     </p:spTree>
   </p:cSld>
   <p:timing>
@@ -7193,215 +7396,29 @@
           <a:chExt cx="0" cy="0"/>
         </a:xfrm>
       </p:grpSpPr>
-      <p:sp>
-        <p:nvSpPr>
-          <p:cNvPr id="173" name="CustomShape 1"/>
-          <p:cNvSpPr/>
+      <p:pic>
+        <p:nvPicPr>
+          <p:cNvPr id="174" name="" descr=""/>
+          <p:cNvPicPr/>
           <p:nvPr/>
-        </p:nvSpPr>
-        <p:spPr>
-          <a:xfrm>
-            <a:off x="504000" y="226080"/>
-            <a:ext cx="9070560" cy="945360"/>
-          </a:xfrm>
-          <a:prstGeom prst="rect">
-            <a:avLst/>
-          </a:prstGeom>
-          <a:noFill/>
+        </p:nvPicPr>
+        <p:blipFill>
+          <a:blip r:embed="rId1"/>
+          <a:stretch/>
+        </p:blipFill>
+        <p:spPr>
+          <a:xfrm>
+            <a:off x="48600" y="1018080"/>
+            <a:ext cx="10079280" cy="3785760"/>
+          </a:xfrm>
+          <a:prstGeom prst="rect">
+            <a:avLst/>
+          </a:prstGeom>
           <a:ln>
             <a:noFill/>
           </a:ln>
         </p:spPr>
-        <p:style>
-          <a:lnRef idx="0"/>
-          <a:fillRef idx="0"/>
-          <a:effectRef idx="0"/>
-          <a:fontRef idx="minor"/>
-        </p:style>
-        <p:txBody>
-          <a:bodyPr lIns="0" rIns="0" tIns="0" bIns="0" anchor="ctr"/>
-          <a:p>
-            <a:pPr algn="ctr">
-              <a:lnSpc>
-                <a:spcPct val="100000"/>
-              </a:lnSpc>
-            </a:pPr>
-            <a:r>
-              <a:rPr b="0" lang="en-GB" sz="4400" spc="-1" strike="noStrike">
-                <a:solidFill>
-                  <a:srgbClr val="000000"/>
-                </a:solidFill>
-                <a:latin typeface="Arial"/>
-                <a:ea typeface="DejaVu Sans"/>
-              </a:rPr>
-              <a:t>Intent Server (2)</a:t>
-            </a:r>
-            <a:endParaRPr b="0" lang="en-GB" sz="4400" spc="-1" strike="noStrike">
-              <a:latin typeface="Arial"/>
-            </a:endParaRPr>
-          </a:p>
-        </p:txBody>
-      </p:sp>
-      <p:sp>
-        <p:nvSpPr>
-          <p:cNvPr id="174" name="CustomShape 2"/>
-          <p:cNvSpPr/>
-          <p:nvPr/>
-        </p:nvSpPr>
-        <p:spPr>
-          <a:xfrm>
-            <a:off x="504000" y="1326600"/>
-            <a:ext cx="9070560" cy="3287160"/>
-          </a:xfrm>
-          <a:prstGeom prst="rect">
-            <a:avLst/>
-          </a:prstGeom>
-          <a:noFill/>
-          <a:ln>
-            <a:noFill/>
-          </a:ln>
-        </p:spPr>
-        <p:style>
-          <a:lnRef idx="0"/>
-          <a:fillRef idx="0"/>
-          <a:effectRef idx="0"/>
-          <a:fontRef idx="minor"/>
-        </p:style>
-        <p:txBody>
-          <a:bodyPr lIns="0" rIns="0" tIns="0" bIns="0">
-            <a:normAutofit/>
-          </a:bodyPr>
-          <a:p>
-            <a:pPr marL="432000" indent="-322920">
-              <a:lnSpc>
-                <a:spcPct val="100000"/>
-              </a:lnSpc>
-              <a:spcBef>
-                <a:spcPts val="1417"/>
-              </a:spcBef>
-              <a:buClr>
-                <a:srgbClr val="000000"/>
-              </a:buClr>
-              <a:buSzPct val="45000"/>
-              <a:buFont typeface="Wingdings" charset="2"/>
-              <a:buChar char=""/>
-            </a:pPr>
-            <a:r>
-              <a:rPr b="0" lang="en-GB" sz="3200" spc="-1" strike="noStrike">
-                <a:solidFill>
-                  <a:srgbClr val="000000"/>
-                </a:solidFill>
-                <a:latin typeface="Arial"/>
-                <a:ea typeface="DejaVu Sans"/>
-              </a:rPr>
-              <a:t>Controls and displays (ugly) custom web interface</a:t>
-            </a:r>
-            <a:endParaRPr b="0" lang="en-GB" sz="3200" spc="-1" strike="noStrike">
-              <a:latin typeface="Arial"/>
-            </a:endParaRPr>
-          </a:p>
-          <a:p>
-            <a:pPr marL="432000" indent="-322920">
-              <a:lnSpc>
-                <a:spcPct val="100000"/>
-              </a:lnSpc>
-              <a:spcBef>
-                <a:spcPts val="1417"/>
-              </a:spcBef>
-              <a:buClr>
-                <a:srgbClr val="000000"/>
-              </a:buClr>
-              <a:buSzPct val="45000"/>
-              <a:buFont typeface="Wingdings" charset="2"/>
-              <a:buChar char=""/>
-            </a:pPr>
-            <a:r>
-              <a:rPr b="0" lang="en-GB" sz="3200" spc="-1" strike="noStrike">
-                <a:solidFill>
-                  <a:srgbClr val="000000"/>
-                </a:solidFill>
-                <a:latin typeface="Arial"/>
-                <a:ea typeface="DejaVu Sans"/>
-              </a:rPr>
-              <a:t>Will do technical logging at some stage</a:t>
-            </a:r>
-            <a:endParaRPr b="0" lang="en-GB" sz="3200" spc="-1" strike="noStrike">
-              <a:latin typeface="Arial"/>
-            </a:endParaRPr>
-          </a:p>
-          <a:p>
-            <a:pPr marL="432000" indent="-322920">
-              <a:lnSpc>
-                <a:spcPct val="100000"/>
-              </a:lnSpc>
-              <a:spcBef>
-                <a:spcPts val="1417"/>
-              </a:spcBef>
-              <a:buClr>
-                <a:srgbClr val="000000"/>
-              </a:buClr>
-              <a:buSzPct val="45000"/>
-              <a:buFont typeface="Wingdings" charset="2"/>
-              <a:buChar char=""/>
-            </a:pPr>
-            <a:r>
-              <a:rPr b="0" lang="en-GB" sz="3200" spc="-1" strike="noStrike">
-                <a:solidFill>
-                  <a:srgbClr val="000000"/>
-                </a:solidFill>
-                <a:latin typeface="Arial"/>
-                <a:ea typeface="DejaVu Sans"/>
-              </a:rPr>
-              <a:t>Currently about 400 lines of code, so not enormous</a:t>
-            </a:r>
-            <a:endParaRPr b="0" lang="en-GB" sz="3200" spc="-1" strike="noStrike">
-              <a:latin typeface="Arial"/>
-            </a:endParaRPr>
-          </a:p>
-          <a:p>
-            <a:pPr marL="432000" indent="-322920">
-              <a:lnSpc>
-                <a:spcPct val="100000"/>
-              </a:lnSpc>
-              <a:spcBef>
-                <a:spcPts val="1417"/>
-              </a:spcBef>
-              <a:buClr>
-                <a:srgbClr val="000000"/>
-              </a:buClr>
-              <a:buSzPct val="45000"/>
-              <a:buFont typeface="Wingdings" charset="2"/>
-              <a:buChar char=""/>
-            </a:pPr>
-            <a:r>
-              <a:rPr b="0" lang="en-GB" sz="3200" spc="-1" strike="noStrike">
-                <a:solidFill>
-                  <a:srgbClr val="000000"/>
-                </a:solidFill>
-                <a:latin typeface="Arial"/>
-                <a:ea typeface="DejaVu Sans"/>
-              </a:rPr>
-              <a:t>Dispatches to small specialised programs that run parametrised command line commands</a:t>
-            </a:r>
-            <a:endParaRPr b="0" lang="en-GB" sz="3200" spc="-1" strike="noStrike">
-              <a:latin typeface="Arial"/>
-            </a:endParaRPr>
-          </a:p>
-          <a:p>
-            <a:pPr>
-              <a:lnSpc>
-                <a:spcPct val="100000"/>
-              </a:lnSpc>
-              <a:spcBef>
-                <a:spcPts val="1417"/>
-              </a:spcBef>
-            </a:pPr>
-            <a:endParaRPr b="0" lang="en-GB" sz="3200" spc="-1" strike="noStrike">
-              <a:latin typeface="Arial"/>
-            </a:endParaRPr>
-          </a:p>
-        </p:txBody>
-      </p:sp>
+      </p:pic>
     </p:spTree>
   </p:cSld>
   <p:timing>
@@ -7460,7 +7477,7 @@
         <p:spPr>
           <a:xfrm>
             <a:off x="504000" y="226080"/>
-            <a:ext cx="9070560" cy="945360"/>
+            <a:ext cx="9069840" cy="944640"/>
           </a:xfrm>
           <a:prstGeom prst="rect">
             <a:avLst/>
@@ -7492,7 +7509,7 @@
                 <a:latin typeface="Arial"/>
                 <a:ea typeface="DejaVu Sans"/>
               </a:rPr>
-              <a:t>Task or Intents (1)</a:t>
+              <a:t>Intent Server (2)</a:t>
             </a:r>
             <a:endParaRPr b="0" lang="en-GB" sz="4400" spc="-1" strike="noStrike">
               <a:latin typeface="Arial"/>
@@ -7509,7 +7526,7 @@
         <p:spPr>
           <a:xfrm>
             <a:off x="504000" y="1326600"/>
-            <a:ext cx="9070560" cy="3287160"/>
+            <a:ext cx="9069840" cy="3286440"/>
           </a:xfrm>
           <a:prstGeom prst="rect">
             <a:avLst/>
@@ -7530,7 +7547,7 @@
             <a:normAutofit/>
           </a:bodyPr>
           <a:p>
-            <a:pPr marL="432000" indent="-322920">
+            <a:pPr marL="432000" indent="-322200">
               <a:lnSpc>
                 <a:spcPct val="100000"/>
               </a:lnSpc>
@@ -7552,14 +7569,14 @@
                 <a:latin typeface="Arial"/>
                 <a:ea typeface="DejaVu Sans"/>
               </a:rPr>
-              <a:t>Small Python programs that (usually) run an OS level task</a:t>
-            </a:r>
-            <a:endParaRPr b="0" lang="en-GB" sz="3200" spc="-1" strike="noStrike">
-              <a:latin typeface="Arial"/>
-            </a:endParaRPr>
-          </a:p>
-          <a:p>
-            <a:pPr marL="432000" indent="-322920">
+              <a:t>Controls and displays (ugly) custom web interface</a:t>
+            </a:r>
+            <a:endParaRPr b="0" lang="en-GB" sz="3200" spc="-1" strike="noStrike">
+              <a:latin typeface="Arial"/>
+            </a:endParaRPr>
+          </a:p>
+          <a:p>
+            <a:pPr marL="432000" indent="-322200">
               <a:lnSpc>
                 <a:spcPct val="100000"/>
               </a:lnSpc>
@@ -7581,34 +7598,14 @@
                 <a:latin typeface="Arial"/>
                 <a:ea typeface="DejaVu Sans"/>
               </a:rPr>
-              <a:t>For example: </a:t>
-            </a:r>
-            <a:r>
-              <a:rPr b="0" lang="en-GB" sz="2400" spc="-1" strike="noStrike">
-                <a:solidFill>
-                  <a:srgbClr val="000000"/>
-                </a:solidFill>
-                <a:latin typeface="Courier New"/>
-                <a:ea typeface="DejaVu Sans"/>
-              </a:rPr>
-              <a:t>arecord -q -f cd -c 2 -D hw:0,0 --duration 30 </a:t>
-            </a:r>
-            <a:r>
-              <a:rPr b="0" lang="en-GB" sz="3200" spc="-1" strike="noStrike">
-                <a:solidFill>
-                  <a:srgbClr val="000000"/>
-                </a:solidFill>
-                <a:latin typeface="Arial"/>
-                <a:ea typeface="DejaVu Sans"/>
-              </a:rPr>
-              <a:t>record 30 seconds of audio</a:t>
-            </a:r>
-            <a:endParaRPr b="0" lang="en-GB" sz="3200" spc="-1" strike="noStrike">
-              <a:latin typeface="Arial"/>
-            </a:endParaRPr>
-          </a:p>
-          <a:p>
-            <a:pPr marL="432000" indent="-322920">
+              <a:t>Will do technical logging at some stage</a:t>
+            </a:r>
+            <a:endParaRPr b="0" lang="en-GB" sz="3200" spc="-1" strike="noStrike">
+              <a:latin typeface="Arial"/>
+            </a:endParaRPr>
+          </a:p>
+          <a:p>
+            <a:pPr marL="432000" indent="-322200">
               <a:lnSpc>
                 <a:spcPct val="100000"/>
               </a:lnSpc>
@@ -7630,8 +7627,27 @@
                 <a:latin typeface="Arial"/>
                 <a:ea typeface="DejaVu Sans"/>
               </a:rPr>
-              <a:t> </a:t>
-            </a:r>
+              <a:t>Currently about 400 lines of code, so not enormous</a:t>
+            </a:r>
+            <a:endParaRPr b="0" lang="en-GB" sz="3200" spc="-1" strike="noStrike">
+              <a:latin typeface="Arial"/>
+            </a:endParaRPr>
+          </a:p>
+          <a:p>
+            <a:pPr marL="432000" indent="-322200">
+              <a:lnSpc>
+                <a:spcPct val="100000"/>
+              </a:lnSpc>
+              <a:spcBef>
+                <a:spcPts val="1417"/>
+              </a:spcBef>
+              <a:buClr>
+                <a:srgbClr val="000000"/>
+              </a:buClr>
+              <a:buSzPct val="45000"/>
+              <a:buFont typeface="Wingdings" charset="2"/>
+              <a:buChar char=""/>
+            </a:pPr>
             <a:r>
               <a:rPr b="0" lang="en-GB" sz="3200" spc="-1" strike="noStrike">
                 <a:solidFill>
@@ -7640,27 +7656,7 @@
                 <a:latin typeface="Arial"/>
                 <a:ea typeface="DejaVu Sans"/>
               </a:rPr>
-              <a:t>OS tasks are in a configuration file </a:t>
-            </a:r>
-            <a:r>
-              <a:rPr b="0" lang="en-GB" sz="2200" spc="-1" strike="noStrike">
-                <a:solidFill>
-                  <a:srgbClr val="000000"/>
-                </a:solidFill>
-                <a:latin typeface="Courier New"/>
-                <a:ea typeface="DejaVu Sans"/>
-              </a:rPr>
-              <a:t>etc/memi.ini</a:t>
-            </a:r>
-            <a:r>
-              <a:rPr b="0" lang="en-GB" sz="3200" spc="-1" strike="noStrike">
-                <a:solidFill>
-                  <a:srgbClr val="000000"/>
-                </a:solidFill>
-                <a:latin typeface="Arial"/>
-                <a:ea typeface="DejaVu Sans"/>
-              </a:rPr>
-              <a:t> so can experiment/debug</a:t>
+              <a:t>Dispatches to small specialised programs that run parametrised command line commands</a:t>
             </a:r>
             <a:endParaRPr b="0" lang="en-GB" sz="3200" spc="-1" strike="noStrike">
               <a:latin typeface="Arial"/>
@@ -7675,47 +7671,7 @@
                 <a:spcPts val="1417"/>
               </a:spcBef>
             </a:pPr>
-            <a:r>
-              <a:rPr b="0" lang="en-GB" sz="3200" spc="-1" strike="noStrike">
-                <a:solidFill>
-                  <a:srgbClr val="000000"/>
-                </a:solidFill>
-                <a:latin typeface="Arial"/>
-                <a:ea typeface="Noto Sans CJK SC"/>
-              </a:rPr>
-              <a:t>Control external AI (transcription etc.) this can be turned off in </a:t>
-            </a:r>
-            <a:r>
-              <a:rPr b="0" lang="en-GB" sz="2200" spc="-1" strike="noStrike">
-                <a:solidFill>
-                  <a:srgbClr val="000000"/>
-                </a:solidFill>
-                <a:latin typeface="Courier New"/>
-                <a:ea typeface="Noto Sans CJK SC"/>
-              </a:rPr>
-              <a:t>mema.ini </a:t>
-            </a:r>
-            <a:r>
-              <a:rPr b="0" lang="en-GB" sz="3200" spc="-1" strike="noStrike">
-                <a:solidFill>
-                  <a:srgbClr val="000000"/>
-                </a:solidFill>
-                <a:latin typeface="Arial"/>
-                <a:ea typeface="DejaVu Sans"/>
-              </a:rPr>
-              <a:t>hopefully can be integrated locally 'soon'</a:t>
-            </a:r>
-            <a:r>
-              <a:rPr b="0" lang="en-GB" sz="2200" spc="-1" strike="noStrike">
-                <a:solidFill>
-                  <a:srgbClr val="000000"/>
-                </a:solidFill>
-                <a:latin typeface="Courier New"/>
-                <a:ea typeface="DejaVu Sans"/>
-              </a:rPr>
-              <a:t>  </a:t>
-            </a:r>
-            <a:endParaRPr b="0" lang="en-GB" sz="2200" spc="-1" strike="noStrike">
+            <a:endParaRPr b="0" lang="en-GB" sz="3200" spc="-1" strike="noStrike">
               <a:latin typeface="Arial"/>
             </a:endParaRPr>
           </a:p>
@@ -7770,29 +7726,276 @@
           <a:chExt cx="0" cy="0"/>
         </a:xfrm>
       </p:grpSpPr>
-      <p:pic>
-        <p:nvPicPr>
-          <p:cNvPr id="177" name="" descr=""/>
-          <p:cNvPicPr/>
+      <p:sp>
+        <p:nvSpPr>
+          <p:cNvPr id="177" name="CustomShape 1"/>
+          <p:cNvSpPr/>
           <p:nvPr/>
-        </p:nvPicPr>
-        <p:blipFill>
-          <a:blip r:embed="rId1"/>
-          <a:stretch/>
-        </p:blipFill>
-        <p:spPr>
-          <a:xfrm>
-            <a:off x="798120" y="322560"/>
-            <a:ext cx="7913880" cy="4725360"/>
-          </a:xfrm>
-          <a:prstGeom prst="rect">
-            <a:avLst/>
-          </a:prstGeom>
+        </p:nvSpPr>
+        <p:spPr>
+          <a:xfrm>
+            <a:off x="504000" y="226080"/>
+            <a:ext cx="9069840" cy="944640"/>
+          </a:xfrm>
+          <a:prstGeom prst="rect">
+            <a:avLst/>
+          </a:prstGeom>
+          <a:noFill/>
           <a:ln>
             <a:noFill/>
           </a:ln>
         </p:spPr>
-      </p:pic>
+        <p:style>
+          <a:lnRef idx="0"/>
+          <a:fillRef idx="0"/>
+          <a:effectRef idx="0"/>
+          <a:fontRef idx="minor"/>
+        </p:style>
+        <p:txBody>
+          <a:bodyPr lIns="0" rIns="0" tIns="0" bIns="0" anchor="ctr"/>
+          <a:p>
+            <a:pPr algn="ctr">
+              <a:lnSpc>
+                <a:spcPct val="100000"/>
+              </a:lnSpc>
+            </a:pPr>
+            <a:r>
+              <a:rPr b="0" lang="en-GB" sz="4400" spc="-1" strike="noStrike">
+                <a:solidFill>
+                  <a:srgbClr val="000000"/>
+                </a:solidFill>
+                <a:latin typeface="Arial"/>
+                <a:ea typeface="DejaVu Sans"/>
+              </a:rPr>
+              <a:t>Task or Intents (1)</a:t>
+            </a:r>
+            <a:endParaRPr b="0" lang="en-GB" sz="4400" spc="-1" strike="noStrike">
+              <a:latin typeface="Arial"/>
+            </a:endParaRPr>
+          </a:p>
+        </p:txBody>
+      </p:sp>
+      <p:sp>
+        <p:nvSpPr>
+          <p:cNvPr id="178" name="CustomShape 2"/>
+          <p:cNvSpPr/>
+          <p:nvPr/>
+        </p:nvSpPr>
+        <p:spPr>
+          <a:xfrm>
+            <a:off x="504000" y="1326600"/>
+            <a:ext cx="9069840" cy="3286440"/>
+          </a:xfrm>
+          <a:prstGeom prst="rect">
+            <a:avLst/>
+          </a:prstGeom>
+          <a:noFill/>
+          <a:ln>
+            <a:noFill/>
+          </a:ln>
+        </p:spPr>
+        <p:style>
+          <a:lnRef idx="0"/>
+          <a:fillRef idx="0"/>
+          <a:effectRef idx="0"/>
+          <a:fontRef idx="minor"/>
+        </p:style>
+        <p:txBody>
+          <a:bodyPr lIns="0" rIns="0" tIns="0" bIns="0">
+            <a:normAutofit/>
+          </a:bodyPr>
+          <a:p>
+            <a:pPr marL="432000" indent="-322200">
+              <a:lnSpc>
+                <a:spcPct val="100000"/>
+              </a:lnSpc>
+              <a:spcBef>
+                <a:spcPts val="1417"/>
+              </a:spcBef>
+              <a:buClr>
+                <a:srgbClr val="000000"/>
+              </a:buClr>
+              <a:buSzPct val="45000"/>
+              <a:buFont typeface="Wingdings" charset="2"/>
+              <a:buChar char=""/>
+            </a:pPr>
+            <a:r>
+              <a:rPr b="0" lang="en-GB" sz="3200" spc="-1" strike="noStrike">
+                <a:solidFill>
+                  <a:srgbClr val="000000"/>
+                </a:solidFill>
+                <a:latin typeface="Arial"/>
+                <a:ea typeface="DejaVu Sans"/>
+              </a:rPr>
+              <a:t>Small Python programs that (usually) run an OS level task</a:t>
+            </a:r>
+            <a:endParaRPr b="0" lang="en-GB" sz="3200" spc="-1" strike="noStrike">
+              <a:latin typeface="Arial"/>
+            </a:endParaRPr>
+          </a:p>
+          <a:p>
+            <a:pPr marL="432000" indent="-322200">
+              <a:lnSpc>
+                <a:spcPct val="100000"/>
+              </a:lnSpc>
+              <a:spcBef>
+                <a:spcPts val="1417"/>
+              </a:spcBef>
+              <a:buClr>
+                <a:srgbClr val="000000"/>
+              </a:buClr>
+              <a:buSzPct val="45000"/>
+              <a:buFont typeface="Wingdings" charset="2"/>
+              <a:buChar char=""/>
+            </a:pPr>
+            <a:r>
+              <a:rPr b="0" lang="en-GB" sz="3200" spc="-1" strike="noStrike">
+                <a:solidFill>
+                  <a:srgbClr val="000000"/>
+                </a:solidFill>
+                <a:latin typeface="Arial"/>
+                <a:ea typeface="DejaVu Sans"/>
+              </a:rPr>
+              <a:t>For example: </a:t>
+            </a:r>
+            <a:r>
+              <a:rPr b="0" lang="en-GB" sz="2400" spc="-1" strike="noStrike">
+                <a:solidFill>
+                  <a:srgbClr val="000000"/>
+                </a:solidFill>
+                <a:latin typeface="Courier New"/>
+                <a:ea typeface="DejaVu Sans"/>
+              </a:rPr>
+              <a:t>arecord -q -f cd -c 2 -D hw:0,0 --duration 30 </a:t>
+            </a:r>
+            <a:r>
+              <a:rPr b="0" lang="en-GB" sz="3200" spc="-1" strike="noStrike">
+                <a:solidFill>
+                  <a:srgbClr val="000000"/>
+                </a:solidFill>
+                <a:latin typeface="Arial"/>
+                <a:ea typeface="DejaVu Sans"/>
+              </a:rPr>
+              <a:t>record 30 seconds of audio</a:t>
+            </a:r>
+            <a:endParaRPr b="0" lang="en-GB" sz="3200" spc="-1" strike="noStrike">
+              <a:latin typeface="Arial"/>
+            </a:endParaRPr>
+          </a:p>
+          <a:p>
+            <a:pPr marL="432000" indent="-322200">
+              <a:lnSpc>
+                <a:spcPct val="100000"/>
+              </a:lnSpc>
+              <a:spcBef>
+                <a:spcPts val="1417"/>
+              </a:spcBef>
+              <a:buClr>
+                <a:srgbClr val="000000"/>
+              </a:buClr>
+              <a:buSzPct val="45000"/>
+              <a:buFont typeface="Wingdings" charset="2"/>
+              <a:buChar char=""/>
+            </a:pPr>
+            <a:r>
+              <a:rPr b="0" lang="en-GB" sz="3200" spc="-1" strike="noStrike">
+                <a:solidFill>
+                  <a:srgbClr val="000000"/>
+                </a:solidFill>
+                <a:latin typeface="Arial"/>
+                <a:ea typeface="DejaVu Sans"/>
+              </a:rPr>
+              <a:t> </a:t>
+            </a:r>
+            <a:r>
+              <a:rPr b="0" lang="en-GB" sz="3200" spc="-1" strike="noStrike">
+                <a:solidFill>
+                  <a:srgbClr val="000000"/>
+                </a:solidFill>
+                <a:latin typeface="Arial"/>
+                <a:ea typeface="DejaVu Sans"/>
+              </a:rPr>
+              <a:t>OS tasks are in a configuration file </a:t>
+            </a:r>
+            <a:r>
+              <a:rPr b="0" lang="en-GB" sz="2200" spc="-1" strike="noStrike">
+                <a:solidFill>
+                  <a:srgbClr val="000000"/>
+                </a:solidFill>
+                <a:latin typeface="Courier New"/>
+                <a:ea typeface="DejaVu Sans"/>
+              </a:rPr>
+              <a:t>etc/memi.ini</a:t>
+            </a:r>
+            <a:r>
+              <a:rPr b="0" lang="en-GB" sz="3200" spc="-1" strike="noStrike">
+                <a:solidFill>
+                  <a:srgbClr val="000000"/>
+                </a:solidFill>
+                <a:latin typeface="Arial"/>
+                <a:ea typeface="DejaVu Sans"/>
+              </a:rPr>
+              <a:t> so can experiment/debug</a:t>
+            </a:r>
+            <a:endParaRPr b="0" lang="en-GB" sz="3200" spc="-1" strike="noStrike">
+              <a:latin typeface="Arial"/>
+            </a:endParaRPr>
+          </a:p>
+          <a:p>
+            <a:pPr>
+              <a:lnSpc>
+                <a:spcPct val="100000"/>
+              </a:lnSpc>
+              <a:spcBef>
+                <a:spcPts val="1417"/>
+              </a:spcBef>
+            </a:pPr>
+            <a:r>
+              <a:rPr b="0" lang="en-GB" sz="3200" spc="-1" strike="noStrike">
+                <a:solidFill>
+                  <a:srgbClr val="000000"/>
+                </a:solidFill>
+                <a:latin typeface="Arial"/>
+                <a:ea typeface="Noto Sans CJK SC"/>
+              </a:rPr>
+              <a:t>Control external AI (transcription etc.) this can be turned off in </a:t>
+            </a:r>
+            <a:r>
+              <a:rPr b="0" lang="en-GB" sz="2200" spc="-1" strike="noStrike">
+                <a:solidFill>
+                  <a:srgbClr val="000000"/>
+                </a:solidFill>
+                <a:latin typeface="Courier New"/>
+                <a:ea typeface="Noto Sans CJK SC"/>
+              </a:rPr>
+              <a:t>mema.ini </a:t>
+            </a:r>
+            <a:r>
+              <a:rPr b="0" lang="en-GB" sz="3200" spc="-1" strike="noStrike">
+                <a:solidFill>
+                  <a:srgbClr val="000000"/>
+                </a:solidFill>
+                <a:latin typeface="Arial"/>
+                <a:ea typeface="DejaVu Sans"/>
+              </a:rPr>
+              <a:t>hopefully can be integrated locally 'soon'</a:t>
+            </a:r>
+            <a:r>
+              <a:rPr b="0" lang="en-GB" sz="2200" spc="-1" strike="noStrike">
+                <a:solidFill>
+                  <a:srgbClr val="000000"/>
+                </a:solidFill>
+                <a:latin typeface="Courier New"/>
+                <a:ea typeface="DejaVu Sans"/>
+              </a:rPr>
+              <a:t>  </a:t>
+            </a:r>
+            <a:endParaRPr b="0" lang="en-GB" sz="2200" spc="-1" strike="noStrike">
+              <a:latin typeface="Arial"/>
+            </a:endParaRPr>
+          </a:p>
+        </p:txBody>
+      </p:sp>
     </p:spTree>
   </p:cSld>
   <p:timing>
@@ -7842,231 +8045,29 @@
           <a:chExt cx="0" cy="0"/>
         </a:xfrm>
       </p:grpSpPr>
-      <p:sp>
-        <p:nvSpPr>
-          <p:cNvPr id="178" name="CustomShape 1"/>
-          <p:cNvSpPr/>
+      <p:pic>
+        <p:nvPicPr>
+          <p:cNvPr id="179" name="" descr=""/>
+          <p:cNvPicPr/>
           <p:nvPr/>
-        </p:nvSpPr>
-        <p:spPr>
-          <a:xfrm>
-            <a:off x="504000" y="226080"/>
-            <a:ext cx="9070560" cy="945360"/>
-          </a:xfrm>
-          <a:prstGeom prst="rect">
-            <a:avLst/>
-          </a:prstGeom>
-          <a:noFill/>
+        </p:nvPicPr>
+        <p:blipFill>
+          <a:blip r:embed="rId1"/>
+          <a:stretch/>
+        </p:blipFill>
+        <p:spPr>
+          <a:xfrm>
+            <a:off x="798120" y="322560"/>
+            <a:ext cx="7913160" cy="4724640"/>
+          </a:xfrm>
+          <a:prstGeom prst="rect">
+            <a:avLst/>
+          </a:prstGeom>
           <a:ln>
             <a:noFill/>
           </a:ln>
         </p:spPr>
-        <p:style>
-          <a:lnRef idx="0"/>
-          <a:fillRef idx="0"/>
-          <a:effectRef idx="0"/>
-          <a:fontRef idx="minor"/>
-        </p:style>
-        <p:txBody>
-          <a:bodyPr lIns="0" rIns="0" tIns="0" bIns="0" anchor="ctr"/>
-          <a:p>
-            <a:pPr algn="ctr">
-              <a:lnSpc>
-                <a:spcPct val="100000"/>
-              </a:lnSpc>
-            </a:pPr>
-            <a:r>
-              <a:rPr b="0" lang="en-GB" sz="4400" spc="-1" strike="noStrike">
-                <a:solidFill>
-                  <a:srgbClr val="000000"/>
-                </a:solidFill>
-                <a:latin typeface="Arial"/>
-                <a:ea typeface="DejaVu Sans"/>
-              </a:rPr>
-              <a:t>Tasks or Intents (2)</a:t>
-            </a:r>
-            <a:endParaRPr b="0" lang="en-GB" sz="4400" spc="-1" strike="noStrike">
-              <a:latin typeface="Arial"/>
-            </a:endParaRPr>
-          </a:p>
-        </p:txBody>
-      </p:sp>
-      <p:sp>
-        <p:nvSpPr>
-          <p:cNvPr id="179" name="CustomShape 2"/>
-          <p:cNvSpPr/>
-          <p:nvPr/>
-        </p:nvSpPr>
-        <p:spPr>
-          <a:xfrm>
-            <a:off x="504000" y="1326600"/>
-            <a:ext cx="9070560" cy="3287160"/>
-          </a:xfrm>
-          <a:prstGeom prst="rect">
-            <a:avLst/>
-          </a:prstGeom>
-          <a:noFill/>
-          <a:ln>
-            <a:noFill/>
-          </a:ln>
-        </p:spPr>
-        <p:style>
-          <a:lnRef idx="0"/>
-          <a:fillRef idx="0"/>
-          <a:effectRef idx="0"/>
-          <a:fontRef idx="minor"/>
-        </p:style>
-        <p:txBody>
-          <a:bodyPr lIns="0" rIns="0" tIns="0" bIns="0">
-            <a:normAutofit/>
-          </a:bodyPr>
-          <a:p>
-            <a:pPr marL="432000" indent="-322920">
-              <a:lnSpc>
-                <a:spcPct val="100000"/>
-              </a:lnSpc>
-              <a:spcBef>
-                <a:spcPts val="1417"/>
-              </a:spcBef>
-              <a:buClr>
-                <a:srgbClr val="000000"/>
-              </a:buClr>
-              <a:buSzPct val="45000"/>
-              <a:buFont typeface="Wingdings" charset="2"/>
-              <a:buChar char=""/>
-            </a:pPr>
-            <a:r>
-              <a:rPr b="0" lang="en-GB" sz="3200" spc="-1" strike="noStrike">
-                <a:solidFill>
-                  <a:srgbClr val="000000"/>
-                </a:solidFill>
-                <a:latin typeface="Arial"/>
-                <a:ea typeface="DejaVu Sans"/>
-              </a:rPr>
-              <a:t>Programs are about 100 lines, in general 'not big' but could do with armouring</a:t>
-            </a:r>
-            <a:endParaRPr b="0" lang="en-GB" sz="3200" spc="-1" strike="noStrike">
-              <a:latin typeface="Arial"/>
-            </a:endParaRPr>
-          </a:p>
-          <a:p>
-            <a:pPr marL="432000" indent="-322920">
-              <a:lnSpc>
-                <a:spcPct val="100000"/>
-              </a:lnSpc>
-              <a:spcBef>
-                <a:spcPts val="1417"/>
-              </a:spcBef>
-              <a:buClr>
-                <a:srgbClr val="000000"/>
-              </a:buClr>
-              <a:buSzPct val="45000"/>
-              <a:buFont typeface="Wingdings" charset="2"/>
-              <a:buChar char=""/>
-            </a:pPr>
-            <a:r>
-              <a:rPr b="0" lang="en-GB" sz="3200" spc="-1" strike="noStrike">
-                <a:solidFill>
-                  <a:srgbClr val="000000"/>
-                </a:solidFill>
-                <a:latin typeface="Arial"/>
-                <a:ea typeface="DejaVu Sans"/>
-              </a:rPr>
-              <a:t>Voice prompts and run command line</a:t>
-            </a:r>
-            <a:endParaRPr b="0" lang="en-GB" sz="3200" spc="-1" strike="noStrike">
-              <a:latin typeface="Arial"/>
-            </a:endParaRPr>
-          </a:p>
-          <a:p>
-            <a:pPr marL="432000" indent="-322920">
-              <a:lnSpc>
-                <a:spcPct val="100000"/>
-              </a:lnSpc>
-              <a:spcBef>
-                <a:spcPts val="1417"/>
-              </a:spcBef>
-              <a:buClr>
-                <a:srgbClr val="000000"/>
-              </a:buClr>
-              <a:buSzPct val="45000"/>
-              <a:buFont typeface="Wingdings" charset="2"/>
-              <a:buChar char=""/>
-            </a:pPr>
-            <a:r>
-              <a:rPr b="0" lang="en-GB" sz="3200" spc="-1" strike="noStrike">
-                <a:solidFill>
-                  <a:srgbClr val="000000"/>
-                </a:solidFill>
-                <a:latin typeface="Arial"/>
-                <a:ea typeface="DejaVu Sans"/>
-              </a:rPr>
-              <a:t>Return text (if transcription) and a file path for, for example, the audio or photo</a:t>
-            </a:r>
-            <a:endParaRPr b="0" lang="en-GB" sz="3200" spc="-1" strike="noStrike">
-              <a:latin typeface="Arial"/>
-            </a:endParaRPr>
-          </a:p>
-          <a:p>
-            <a:pPr marL="432000" indent="-322920">
-              <a:lnSpc>
-                <a:spcPct val="100000"/>
-              </a:lnSpc>
-              <a:spcBef>
-                <a:spcPts val="1417"/>
-              </a:spcBef>
-              <a:buClr>
-                <a:srgbClr val="000000"/>
-              </a:buClr>
-              <a:buSzPct val="45000"/>
-              <a:buFont typeface="Wingdings" charset="2"/>
-              <a:buChar char=""/>
-            </a:pPr>
-            <a:r>
-              <a:rPr b="0" lang="en-GB" sz="3200" spc="-1" strike="noStrike">
-                <a:solidFill>
-                  <a:srgbClr val="000000"/>
-                </a:solidFill>
-                <a:latin typeface="Arial"/>
-                <a:ea typeface="DejaVu Sans"/>
-              </a:rPr>
-              <a:t>Intent server puts it in the database</a:t>
-            </a:r>
-            <a:endParaRPr b="0" lang="en-GB" sz="3200" spc="-1" strike="noStrike">
-              <a:latin typeface="Arial"/>
-            </a:endParaRPr>
-          </a:p>
-          <a:p>
-            <a:pPr marL="432000" indent="-322920">
-              <a:lnSpc>
-                <a:spcPct val="100000"/>
-              </a:lnSpc>
-              <a:spcBef>
-                <a:spcPts val="1417"/>
-              </a:spcBef>
-              <a:buClr>
-                <a:srgbClr val="000000"/>
-              </a:buClr>
-              <a:buSzPct val="45000"/>
-              <a:buFont typeface="Wingdings" charset="2"/>
-              <a:buChar char=""/>
-            </a:pPr>
-            <a:r>
-              <a:rPr b="0" lang="en-GB" sz="3200" spc="-1" strike="noStrike">
-                <a:solidFill>
-                  <a:srgbClr val="000000"/>
-                </a:solidFill>
-                <a:latin typeface="Arial"/>
-                <a:ea typeface="DejaVu Sans"/>
-              </a:rPr>
-              <a:t>Video currently a bit problematic</a:t>
-            </a:r>
-            <a:endParaRPr b="0" lang="en-GB" sz="3200" spc="-1" strike="noStrike">
-              <a:latin typeface="Arial"/>
-            </a:endParaRPr>
-          </a:p>
-        </p:txBody>
-      </p:sp>
+      </p:pic>
     </p:spTree>
   </p:cSld>
   <p:timing>
@@ -8125,7 +8126,7 @@
         <p:spPr>
           <a:xfrm>
             <a:off x="504000" y="226080"/>
-            <a:ext cx="9070560" cy="945360"/>
+            <a:ext cx="9069840" cy="944640"/>
           </a:xfrm>
           <a:prstGeom prst="rect">
             <a:avLst/>
@@ -8157,7 +8158,7 @@
                 <a:latin typeface="Arial"/>
                 <a:ea typeface="DejaVu Sans"/>
               </a:rPr>
-              <a:t>Review</a:t>
+              <a:t>Tasks or Intents (2)</a:t>
             </a:r>
             <a:endParaRPr b="0" lang="en-GB" sz="4400" spc="-1" strike="noStrike">
               <a:latin typeface="Arial"/>
@@ -8174,7 +8175,7 @@
         <p:spPr>
           <a:xfrm>
             <a:off x="504000" y="1326600"/>
-            <a:ext cx="9070560" cy="3287160"/>
+            <a:ext cx="9069840" cy="3286440"/>
           </a:xfrm>
           <a:prstGeom prst="rect">
             <a:avLst/>
@@ -8195,7 +8196,7 @@
             <a:normAutofit/>
           </a:bodyPr>
           <a:p>
-            <a:pPr marL="432000" indent="-322920">
+            <a:pPr marL="432000" indent="-322200">
               <a:lnSpc>
                 <a:spcPct val="100000"/>
               </a:lnSpc>
@@ -8217,14 +8218,14 @@
                 <a:latin typeface="Arial"/>
                 <a:ea typeface="DejaVu Sans"/>
               </a:rPr>
-              <a:t>All the components have web style APIs</a:t>
-            </a:r>
-            <a:endParaRPr b="0" lang="en-GB" sz="3200" spc="-1" strike="noStrike">
-              <a:latin typeface="Arial"/>
-            </a:endParaRPr>
-          </a:p>
-          <a:p>
-            <a:pPr marL="432000" indent="-322920">
+              <a:t>Programs are about 100 lines, in general 'not big' but could do with armouring</a:t>
+            </a:r>
+            <a:endParaRPr b="0" lang="en-GB" sz="3200" spc="-1" strike="noStrike">
+              <a:latin typeface="Arial"/>
+            </a:endParaRPr>
+          </a:p>
+          <a:p>
+            <a:pPr marL="432000" indent="-322200">
               <a:lnSpc>
                 <a:spcPct val="100000"/>
               </a:lnSpc>
@@ -8246,34 +8247,14 @@
                 <a:latin typeface="Arial"/>
                 <a:ea typeface="DejaVu Sans"/>
               </a:rPr>
-              <a:t>For example </a:t>
-            </a:r>
-            <a:r>
-              <a:rPr b="0" lang="en-GB" sz="2200" spc="-1" strike="noStrike">
-                <a:solidFill>
-                  <a:srgbClr val="000000"/>
-                </a:solidFill>
-                <a:latin typeface="Courier New"/>
-                <a:ea typeface="DejaVu Sans"/>
-              </a:rPr>
-              <a:t>http://&lt;web_address&gt;:59125/process</a:t>
-            </a:r>
-            <a:r>
-              <a:rPr b="0" lang="en-GB" sz="3200" spc="-1" strike="noStrike">
-                <a:solidFill>
-                  <a:srgbClr val="000000"/>
-                </a:solidFill>
-                <a:latin typeface="Arial"/>
-                <a:ea typeface="DejaVu Sans"/>
-              </a:rPr>
-              <a:t> can be used to 'talk', without the rest</a:t>
-            </a:r>
-            <a:endParaRPr b="0" lang="en-GB" sz="3200" spc="-1" strike="noStrike">
-              <a:latin typeface="Arial"/>
-            </a:endParaRPr>
-          </a:p>
-          <a:p>
-            <a:pPr marL="432000" indent="-322920">
+              <a:t>Voice prompts and run command line</a:t>
+            </a:r>
+            <a:endParaRPr b="0" lang="en-GB" sz="3200" spc="-1" strike="noStrike">
+              <a:latin typeface="Arial"/>
+            </a:endParaRPr>
+          </a:p>
+          <a:p>
+            <a:pPr marL="432000" indent="-322200">
               <a:lnSpc>
                 <a:spcPct val="100000"/>
               </a:lnSpc>
@@ -8288,16 +8269,6 @@
               <a:buChar char=""/>
             </a:pPr>
             <a:r>
-              <a:rPr b="0" lang="en-GB" sz="2200" spc="-1" strike="noStrike">
-                <a:solidFill>
-                  <a:srgbClr val="000000"/>
-                </a:solidFill>
-                <a:latin typeface="Courier New"/>
-                <a:ea typeface="DejaVu Sans"/>
-              </a:rPr>
-              <a:t>http://&lt;web_address&gt;:12101</a:t>
-            </a:r>
-            <a:r>
               <a:rPr b="0" lang="en-GB" sz="3200" spc="-1" strike="noStrike">
                 <a:solidFill>
                   <a:srgbClr val="000000"/>
@@ -8305,14 +8276,14 @@
                 <a:latin typeface="Arial"/>
                 <a:ea typeface="DejaVu Sans"/>
               </a:rPr>
-              <a:t> gives web access to all major Rhasspy configuration</a:t>
-            </a:r>
-            <a:endParaRPr b="0" lang="en-GB" sz="3200" spc="-1" strike="noStrike">
-              <a:latin typeface="Arial"/>
-            </a:endParaRPr>
-          </a:p>
-          <a:p>
-            <a:pPr marL="432000" indent="-322920">
+              <a:t>Return text (if transcription) and a file path for, for example, the audio or photo</a:t>
+            </a:r>
+            <a:endParaRPr b="0" lang="en-GB" sz="3200" spc="-1" strike="noStrike">
+              <a:latin typeface="Arial"/>
+            </a:endParaRPr>
+          </a:p>
+          <a:p>
+            <a:pPr marL="432000" indent="-322200">
               <a:lnSpc>
                 <a:spcPct val="100000"/>
               </a:lnSpc>
@@ -8332,41 +8303,40 @@
                   <a:srgbClr val="000000"/>
                 </a:solidFill>
                 <a:latin typeface="Arial"/>
-                <a:ea typeface="Noto Sans CJK SC"/>
-              </a:rPr>
-              <a:t>Node-red listens for intents on </a:t>
-            </a:r>
-            <a:r>
-              <a:rPr b="0" lang="en-GB" sz="2200" spc="-1" strike="noStrike">
-                <a:solidFill>
-                  <a:srgbClr val="000000"/>
-                </a:solidFill>
-                <a:latin typeface="Courier New"/>
-                <a:ea typeface="Noto Sans CJK SC"/>
-              </a:rPr>
-              <a:t>1883 (mosquitto)</a:t>
-            </a:r>
+                <a:ea typeface="DejaVu Sans"/>
+              </a:rPr>
+              <a:t>Intent server puts it in the database</a:t>
+            </a:r>
+            <a:endParaRPr b="0" lang="en-GB" sz="3200" spc="-1" strike="noStrike">
+              <a:latin typeface="Arial"/>
+            </a:endParaRPr>
+          </a:p>
+          <a:p>
+            <a:pPr marL="432000" indent="-322200">
+              <a:lnSpc>
+                <a:spcPct val="100000"/>
+              </a:lnSpc>
+              <a:spcBef>
+                <a:spcPts val="1417"/>
+              </a:spcBef>
+              <a:buClr>
+                <a:srgbClr val="000000"/>
+              </a:buClr>
+              <a:buSzPct val="45000"/>
+              <a:buFont typeface="Wingdings" charset="2"/>
+              <a:buChar char=""/>
+            </a:pPr>
             <a:r>
               <a:rPr b="0" lang="en-GB" sz="3200" spc="-1" strike="noStrike">
                 <a:solidFill>
                   <a:srgbClr val="000000"/>
                 </a:solidFill>
                 <a:latin typeface="Arial"/>
-                <a:ea typeface="Noto Sans CJK SC"/>
-              </a:rPr>
-              <a:t> and sends to the Intent server at  </a:t>
-            </a:r>
-            <a:r>
-              <a:rPr b="0" lang="en-GB" sz="2200" spc="-1" strike="noStrike">
-                <a:solidFill>
-                  <a:srgbClr val="000000"/>
-                </a:solidFill>
-                <a:latin typeface="Courier New"/>
-                <a:ea typeface="Noto Sans CJK SC"/>
-              </a:rPr>
-              <a:t>http://&lt;web_address&gt;:8000</a:t>
-            </a:r>
-            <a:endParaRPr b="0" lang="en-GB" sz="2200" spc="-1" strike="noStrike">
+                <a:ea typeface="DejaVu Sans"/>
+              </a:rPr>
+              <a:t>Video currently a bit problematic</a:t>
+            </a:r>
+            <a:endParaRPr b="0" lang="en-GB" sz="3200" spc="-1" strike="noStrike">
               <a:latin typeface="Arial"/>
             </a:endParaRPr>
           </a:p>
@@ -8430,7 +8400,7 @@
         <p:spPr>
           <a:xfrm>
             <a:off x="504000" y="226080"/>
-            <a:ext cx="9070560" cy="945360"/>
+            <a:ext cx="9069840" cy="944640"/>
           </a:xfrm>
           <a:prstGeom prst="rect">
             <a:avLst/>
@@ -8462,7 +8432,7 @@
                 <a:latin typeface="Arial"/>
                 <a:ea typeface="DejaVu Sans"/>
               </a:rPr>
-              <a:t>Documentation</a:t>
+              <a:t>Review</a:t>
             </a:r>
             <a:endParaRPr b="0" lang="en-GB" sz="4400" spc="-1" strike="noStrike">
               <a:latin typeface="Arial"/>
@@ -8479,7 +8449,7 @@
         <p:spPr>
           <a:xfrm>
             <a:off x="504000" y="1326600"/>
-            <a:ext cx="9070560" cy="3287160"/>
+            <a:ext cx="9069840" cy="3286440"/>
           </a:xfrm>
           <a:prstGeom prst="rect">
             <a:avLst/>
@@ -8500,7 +8470,7 @@
             <a:normAutofit/>
           </a:bodyPr>
           <a:p>
-            <a:pPr marL="432000" indent="-322920">
+            <a:pPr marL="432000" indent="-322200">
               <a:lnSpc>
                 <a:spcPct val="100000"/>
               </a:lnSpc>
@@ -8522,14 +8492,14 @@
                 <a:latin typeface="Arial"/>
                 <a:ea typeface="DejaVu Sans"/>
               </a:rPr>
-              <a:t>Fairly ample in the custom code</a:t>
-            </a:r>
-            <a:endParaRPr b="0" lang="en-GB" sz="3200" spc="-1" strike="noStrike">
-              <a:latin typeface="Arial"/>
-            </a:endParaRPr>
-          </a:p>
-          <a:p>
-            <a:pPr marL="432000" indent="-322920">
+              <a:t>All the components have web style APIs</a:t>
+            </a:r>
+            <a:endParaRPr b="0" lang="en-GB" sz="3200" spc="-1" strike="noStrike">
+              <a:latin typeface="Arial"/>
+            </a:endParaRPr>
+          </a:p>
+          <a:p>
+            <a:pPr marL="432000" indent="-322200">
               <a:lnSpc>
                 <a:spcPct val="100000"/>
               </a:lnSpc>
@@ -8551,26 +8521,34 @@
                 <a:latin typeface="Arial"/>
                 <a:ea typeface="DejaVu Sans"/>
               </a:rPr>
-              <a:t>Building up on </a:t>
-            </a:r>
-            <a:r>
-              <a:rPr b="0" lang="en-GB" sz="3200" spc="-1" strike="noStrike" u="sng">
+              <a:t>For example </a:t>
+            </a:r>
+            <a:r>
+              <a:rPr b="0" lang="en-GB" sz="2200" spc="-1" strike="noStrike">
                 <a:solidFill>
-                  <a:srgbClr val="0000ff"/>
+                  <a:srgbClr val="000000"/>
                 </a:solidFill>
-                <a:uFillTx/>
-                <a:latin typeface="Arial"/>
+                <a:latin typeface="Courier New"/>
                 <a:ea typeface="DejaVu Sans"/>
-                <a:hlinkClick r:id="rId1"/>
-              </a:rPr>
-              <a:t>https://github.com/hbarnard/mema/wiki</a:t>
-            </a:r>
-            <a:endParaRPr b="0" lang="en-GB" sz="3200" spc="-1" strike="noStrike">
-              <a:latin typeface="Arial"/>
-            </a:endParaRPr>
-          </a:p>
-          <a:p>
-            <a:pPr marL="432000" indent="-322920">
+              </a:rPr>
+              <a:t>http://&lt;web_address&gt;:59125/process</a:t>
+            </a:r>
+            <a:r>
+              <a:rPr b="0" lang="en-GB" sz="3200" spc="-1" strike="noStrike">
+                <a:solidFill>
+                  <a:srgbClr val="000000"/>
+                </a:solidFill>
+                <a:latin typeface="Arial"/>
+                <a:ea typeface="DejaVu Sans"/>
+              </a:rPr>
+              <a:t> can be used to 'talk', without the rest</a:t>
+            </a:r>
+            <a:endParaRPr b="0" lang="en-GB" sz="3200" spc="-1" strike="noStrike">
+              <a:latin typeface="Arial"/>
+            </a:endParaRPr>
+          </a:p>
+          <a:p>
+            <a:pPr marL="432000" indent="-322200">
               <a:lnSpc>
                 <a:spcPct val="100000"/>
               </a:lnSpc>
@@ -8585,16 +8563,85 @@
               <a:buChar char=""/>
             </a:pPr>
             <a:r>
+              <a:rPr b="0" lang="en-GB" sz="2200" spc="-1" strike="noStrike">
+                <a:solidFill>
+                  <a:srgbClr val="000000"/>
+                </a:solidFill>
+                <a:latin typeface="Courier New"/>
+                <a:ea typeface="DejaVu Sans"/>
+              </a:rPr>
+              <a:t>http://&lt;web_address&gt;:12101</a:t>
+            </a:r>
+            <a:r>
               <a:rPr b="0" lang="en-GB" sz="3200" spc="-1" strike="noStrike">
                 <a:solidFill>
-                  <a:srgbClr val="0000ff"/>
+                  <a:srgbClr val="000000"/>
                 </a:solidFill>
                 <a:latin typeface="Arial"/>
                 <a:ea typeface="DejaVu Sans"/>
               </a:rPr>
-              <a:t>For standard components, pretty ample documentation and good community, including stackoverflow.</a:t>
-            </a:r>
-            <a:endParaRPr b="0" lang="en-GB" sz="3200" spc="-1" strike="noStrike">
+              <a:t> gives web access to all major Rhasspy configuration</a:t>
+            </a:r>
+            <a:endParaRPr b="0" lang="en-GB" sz="3200" spc="-1" strike="noStrike">
+              <a:latin typeface="Arial"/>
+            </a:endParaRPr>
+          </a:p>
+          <a:p>
+            <a:pPr marL="432000" indent="-322200">
+              <a:lnSpc>
+                <a:spcPct val="100000"/>
+              </a:lnSpc>
+              <a:spcBef>
+                <a:spcPts val="1417"/>
+              </a:spcBef>
+              <a:buClr>
+                <a:srgbClr val="000000"/>
+              </a:buClr>
+              <a:buSzPct val="45000"/>
+              <a:buFont typeface="Wingdings" charset="2"/>
+              <a:buChar char=""/>
+            </a:pPr>
+            <a:r>
+              <a:rPr b="0" lang="en-GB" sz="3200" spc="-1" strike="noStrike">
+                <a:solidFill>
+                  <a:srgbClr val="000000"/>
+                </a:solidFill>
+                <a:latin typeface="Arial"/>
+                <a:ea typeface="Noto Sans CJK SC"/>
+              </a:rPr>
+              <a:t>Node-red listens for intents on </a:t>
+            </a:r>
+            <a:r>
+              <a:rPr b="0" lang="en-GB" sz="2200" spc="-1" strike="noStrike">
+                <a:solidFill>
+                  <a:srgbClr val="000000"/>
+                </a:solidFill>
+                <a:latin typeface="Courier New"/>
+                <a:ea typeface="Noto Sans CJK SC"/>
+              </a:rPr>
+              <a:t>1883 (mosquitto)</a:t>
+            </a:r>
+            <a:r>
+              <a:rPr b="0" lang="en-GB" sz="3200" spc="-1" strike="noStrike">
+                <a:solidFill>
+                  <a:srgbClr val="000000"/>
+                </a:solidFill>
+                <a:latin typeface="Arial"/>
+                <a:ea typeface="Noto Sans CJK SC"/>
+              </a:rPr>
+              <a:t> and sends to the Intent server at  </a:t>
+            </a:r>
+            <a:r>
+              <a:rPr b="0" lang="en-GB" sz="2200" spc="-1" strike="noStrike">
+                <a:solidFill>
+                  <a:srgbClr val="000000"/>
+                </a:solidFill>
+                <a:latin typeface="Courier New"/>
+                <a:ea typeface="Noto Sans CJK SC"/>
+              </a:rPr>
+              <a:t>http://&lt;web_address&gt;:8000</a:t>
+            </a:r>
+            <a:endParaRPr b="0" lang="en-GB" sz="2200" spc="-1" strike="noStrike">
               <a:latin typeface="Arial"/>
             </a:endParaRPr>
           </a:p>
@@ -8658,7 +8705,7 @@
         <p:spPr>
           <a:xfrm>
             <a:off x="504000" y="226080"/>
-            <a:ext cx="9070560" cy="945360"/>
+            <a:ext cx="9069840" cy="944640"/>
           </a:xfrm>
           <a:prstGeom prst="rect">
             <a:avLst/>
@@ -8707,7 +8754,7 @@
         <p:spPr>
           <a:xfrm>
             <a:off x="504000" y="1304640"/>
-            <a:ext cx="9070560" cy="3331440"/>
+            <a:ext cx="9069840" cy="3330720"/>
           </a:xfrm>
           <a:prstGeom prst="rect">
             <a:avLst/>
@@ -8726,10 +8773,13 @@
         <p:txBody>
           <a:bodyPr lIns="0" rIns="0" tIns="0" bIns="0" anchor="ctr"/>
           <a:p>
-            <a:pPr marL="216000" indent="-214920">
+            <a:pPr marL="216000" indent="-214200">
               <a:lnSpc>
                 <a:spcPct val="100000"/>
               </a:lnSpc>
+              <a:spcBef>
+                <a:spcPts val="567"/>
+              </a:spcBef>
               <a:buClr>
                 <a:srgbClr val="000000"/>
               </a:buClr>
@@ -8738,34 +8788,68 @@
               <a:buChar char=""/>
             </a:pPr>
             <a:r>
-              <a:rPr b="0" lang="en-GB" sz="3200" spc="-1" strike="noStrike">
+              <a:rPr b="0" lang="en-GB" sz="2400" spc="-1" strike="noStrike">
                 <a:solidFill>
                   <a:srgbClr val="000000"/>
                 </a:solidFill>
                 <a:latin typeface="Arial"/>
                 <a:ea typeface="DejaVu Sans"/>
               </a:rPr>
-              <a:t>Small(ish) pieces loosely joined: </a:t>
-            </a:r>
-            <a:r>
-              <a:rPr b="0" lang="en-GB" sz="1000" spc="-1" strike="noStrike">
+              <a:t>Small(ish) pieces loosely joined, running (mainly) under </a:t>
+            </a:r>
+            <a:r>
+              <a:rPr b="1" lang="en-GB" sz="2400" spc="-1" strike="noStrike">
                 <a:solidFill>
                   <a:srgbClr val="000000"/>
                 </a:solidFill>
                 <a:latin typeface="Arial"/>
                 <a:ea typeface="DejaVu Sans"/>
               </a:rPr>
-              <a:t>(https://en.wikipedia.org/wiki/Small_Pieces_Loosely_Joined)</a:t>
-            </a:r>
-            <a:endParaRPr b="0" lang="en-GB" sz="1000" spc="-1" strike="noStrike">
-              <a:latin typeface="Arial"/>
-            </a:endParaRPr>
-          </a:p>
-          <a:p>
-            <a:pPr marL="216000" indent="-214920">
+              <a:t>Docker</a:t>
+            </a:r>
+            <a:r>
+              <a:rPr b="0" lang="en-GB" sz="2400" spc="-1" strike="noStrike">
+                <a:solidFill>
+                  <a:srgbClr val="000000"/>
+                </a:solidFill>
+                <a:latin typeface="Arial"/>
+                <a:ea typeface="DejaVu Sans"/>
+              </a:rPr>
+              <a:t> (qv): (</a:t>
+            </a:r>
+            <a:r>
+              <a:rPr b="0" lang="en-GB" sz="2400" spc="-1" strike="noStrike">
+                <a:solidFill>
+                  <a:srgbClr val="000000"/>
+                </a:solidFill>
+                <a:latin typeface="Arial"/>
+                <a:ea typeface="DejaVu Sans"/>
+                <a:hlinkClick r:id="rId1"/>
+              </a:rPr>
+              <a:t>https://en.wikipedia.org/wiki/Small_Pieces_Loosely_Joined</a:t>
+            </a:r>
+            <a:r>
+              <a:rPr b="0" lang="en-GB" sz="2400" spc="-1" strike="noStrike">
+                <a:solidFill>
+                  <a:srgbClr val="000000"/>
+                </a:solidFill>
+                <a:latin typeface="Arial"/>
+                <a:ea typeface="DejaVu Sans"/>
+              </a:rPr>
+              <a:t>)</a:t>
+            </a:r>
+            <a:endParaRPr b="0" lang="en-GB" sz="2400" spc="-1" strike="noStrike">
+              <a:latin typeface="Arial"/>
+            </a:endParaRPr>
+          </a:p>
+          <a:p>
+            <a:pPr marL="216000" indent="-214200">
               <a:lnSpc>
                 <a:spcPct val="100000"/>
               </a:lnSpc>
+              <a:spcBef>
+                <a:spcPts val="567"/>
+              </a:spcBef>
               <a:buClr>
                 <a:srgbClr val="000000"/>
               </a:buClr>
@@ -8774,7 +8858,7 @@
               <a:buChar char=""/>
             </a:pPr>
             <a:r>
-              <a:rPr b="1" lang="en-GB" sz="3200" spc="-1" strike="noStrike">
+              <a:rPr b="1" lang="en-GB" sz="2400" spc="-1" strike="noStrike">
                 <a:solidFill>
                   <a:srgbClr val="000000"/>
                 </a:solidFill>
@@ -8784,7 +8868,7 @@
               <a:t>Rhasspy</a:t>
             </a:r>
             <a:r>
-              <a:rPr b="0" lang="en-GB" sz="3200" spc="-1" strike="noStrike">
+              <a:rPr b="0" lang="en-GB" sz="2400" spc="-1" strike="noStrike">
                 <a:solidFill>
                   <a:srgbClr val="000000"/>
                 </a:solidFill>
@@ -8793,15 +8877,18 @@
               </a:rPr>
               <a:t>, speech recognition (ASR) /dispatching</a:t>
             </a:r>
-            <a:endParaRPr b="0" lang="en-GB" sz="3200" spc="-1" strike="noStrike">
-              <a:latin typeface="Arial"/>
-            </a:endParaRPr>
-          </a:p>
-          <a:p>
-            <a:pPr marL="216000" indent="-214920">
+            <a:endParaRPr b="0" lang="en-GB" sz="2400" spc="-1" strike="noStrike">
+              <a:latin typeface="Arial"/>
+            </a:endParaRPr>
+          </a:p>
+          <a:p>
+            <a:pPr marL="216000" indent="-214200">
               <a:lnSpc>
                 <a:spcPct val="100000"/>
               </a:lnSpc>
+              <a:spcBef>
+                <a:spcPts val="567"/>
+              </a:spcBef>
               <a:buClr>
                 <a:srgbClr val="000000"/>
               </a:buClr>
@@ -8810,7 +8897,7 @@
               <a:buChar char=""/>
             </a:pPr>
             <a:r>
-              <a:rPr b="1" lang="en-GB" sz="3200" spc="-1" strike="noStrike">
+              <a:rPr b="1" lang="en-GB" sz="2400" spc="-1" strike="noStrike">
                 <a:solidFill>
                   <a:srgbClr val="000000"/>
                 </a:solidFill>
@@ -8820,7 +8907,7 @@
               <a:t>Mimic3</a:t>
             </a:r>
             <a:r>
-              <a:rPr b="0" lang="en-GB" sz="3200" spc="-1" strike="noStrike">
+              <a:rPr b="0" lang="en-GB" sz="2400" spc="-1" strike="noStrike">
                 <a:solidFill>
                   <a:srgbClr val="000000"/>
                 </a:solidFill>
@@ -8829,15 +8916,18 @@
               </a:rPr>
               <a:t>, text to speech (TTS)</a:t>
             </a:r>
-            <a:endParaRPr b="0" lang="en-GB" sz="3200" spc="-1" strike="noStrike">
-              <a:latin typeface="Arial"/>
-            </a:endParaRPr>
-          </a:p>
-          <a:p>
-            <a:pPr marL="216000" indent="-214920">
+            <a:endParaRPr b="0" lang="en-GB" sz="2400" spc="-1" strike="noStrike">
+              <a:latin typeface="Arial"/>
+            </a:endParaRPr>
+          </a:p>
+          <a:p>
+            <a:pPr marL="216000" indent="-214200">
               <a:lnSpc>
                 <a:spcPct val="100000"/>
               </a:lnSpc>
+              <a:spcBef>
+                <a:spcPts val="567"/>
+              </a:spcBef>
               <a:buClr>
                 <a:srgbClr val="000000"/>
               </a:buClr>
@@ -8846,7 +8936,7 @@
               <a:buChar char=""/>
             </a:pPr>
             <a:r>
-              <a:rPr b="1" lang="en-GB" sz="3200" spc="-1" strike="noStrike">
+              <a:rPr b="1" lang="en-GB" sz="2400" spc="-1" strike="noStrike">
                 <a:solidFill>
                   <a:srgbClr val="000000"/>
                 </a:solidFill>
@@ -8856,24 +8946,27 @@
               <a:t>Node-Red</a:t>
             </a:r>
             <a:r>
-              <a:rPr b="0" lang="en-GB" sz="3200" spc="-1" strike="noStrike">
+              <a:rPr b="0" lang="en-GB" sz="2400" spc="-1" strike="noStrike">
                 <a:solidFill>
                   <a:srgbClr val="000000"/>
                 </a:solidFill>
                 <a:latin typeface="Arial"/>
                 <a:ea typeface="DejaVu Sans"/>
               </a:rPr>
-              <a:t> (glue and low-code programming)</a:t>
-            </a:r>
-            <a:endParaRPr b="0" lang="en-GB" sz="3200" spc="-1" strike="noStrike">
-              <a:latin typeface="Arial"/>
-            </a:endParaRPr>
-          </a:p>
-          <a:p>
-            <a:pPr marL="216000" indent="-214920">
+              <a:t> (glue and 'low-code' programming)</a:t>
+            </a:r>
+            <a:endParaRPr b="0" lang="en-GB" sz="2400" spc="-1" strike="noStrike">
+              <a:latin typeface="Arial"/>
+            </a:endParaRPr>
+          </a:p>
+          <a:p>
+            <a:pPr marL="216000" indent="-214200">
               <a:lnSpc>
                 <a:spcPct val="100000"/>
               </a:lnSpc>
+              <a:spcBef>
+                <a:spcPts val="567"/>
+              </a:spcBef>
               <a:buClr>
                 <a:srgbClr val="000000"/>
               </a:buClr>
@@ -8882,7 +8975,7 @@
               <a:buChar char=""/>
             </a:pPr>
             <a:r>
-              <a:rPr b="1" lang="en-GB" sz="3200" spc="-1" strike="noStrike">
+              <a:rPr b="1" lang="en-GB" sz="2400" spc="-1" strike="noStrike">
                 <a:solidFill>
                   <a:srgbClr val="000000"/>
                 </a:solidFill>
@@ -8892,7 +8985,7 @@
               <a:t>Mosquitto</a:t>
             </a:r>
             <a:r>
-              <a:rPr b="0" lang="en-GB" sz="3200" spc="-1" strike="noStrike">
+              <a:rPr b="0" lang="en-GB" sz="2400" spc="-1" strike="noStrike">
                 <a:solidFill>
                   <a:srgbClr val="000000"/>
                 </a:solidFill>
@@ -8901,15 +8994,18 @@
               </a:rPr>
               <a:t> (message broker used mainly in IOT)</a:t>
             </a:r>
-            <a:endParaRPr b="0" lang="en-GB" sz="3200" spc="-1" strike="noStrike">
-              <a:latin typeface="Arial"/>
-            </a:endParaRPr>
-          </a:p>
-          <a:p>
-            <a:pPr marL="216000" indent="-214920">
+            <a:endParaRPr b="0" lang="en-GB" sz="2400" spc="-1" strike="noStrike">
+              <a:latin typeface="Arial"/>
+            </a:endParaRPr>
+          </a:p>
+          <a:p>
+            <a:pPr marL="216000" indent="-214200">
               <a:lnSpc>
                 <a:spcPct val="100000"/>
               </a:lnSpc>
+              <a:spcBef>
+                <a:spcPts val="567"/>
+              </a:spcBef>
               <a:buClr>
                 <a:srgbClr val="000000"/>
               </a:buClr>
@@ -8918,17 +9014,17 @@
               <a:buChar char=""/>
             </a:pPr>
             <a:r>
-              <a:rPr b="0" lang="en-GB" sz="3200" spc="-1" strike="noStrike">
+              <a:rPr b="0" lang="en-GB" sz="2400" spc="-1" strike="noStrike">
                 <a:solidFill>
                   <a:srgbClr val="000000"/>
                 </a:solidFill>
                 <a:latin typeface="Arial"/>
                 <a:ea typeface="DejaVu Sans"/>
               </a:rPr>
-              <a:t>Custom Python, '</a:t>
-            </a:r>
-            <a:r>
-              <a:rPr b="1" lang="en-GB" sz="3200" spc="-1" strike="noStrike">
+              <a:t>Custom Python scripts, '</a:t>
+            </a:r>
+            <a:r>
+              <a:rPr b="1" lang="en-GB" sz="2400" spc="-1" strike="noStrike">
                 <a:solidFill>
                   <a:srgbClr val="000000"/>
                 </a:solidFill>
@@ -8938,7 +9034,7 @@
               <a:t>intent server</a:t>
             </a:r>
             <a:r>
-              <a:rPr b="0" lang="en-GB" sz="3200" spc="-1" strike="noStrike">
+              <a:rPr b="0" lang="en-GB" sz="2400" spc="-1" strike="noStrike">
                 <a:solidFill>
                   <a:srgbClr val="000000"/>
                 </a:solidFill>
@@ -8948,24 +9044,37 @@
               <a:t>' and </a:t>
             </a:r>
             <a:r>
-              <a:rPr b="1" lang="en-GB" sz="3200" spc="-1" strike="noStrike">
+              <a:rPr b="1" lang="en-GB" sz="2400" spc="-1" strike="noStrike">
                 <a:solidFill>
                   <a:srgbClr val="000000"/>
                 </a:solidFill>
                 <a:latin typeface="Arial"/>
                 <a:ea typeface="DejaVu Sans"/>
               </a:rPr>
-              <a:t>tasks</a:t>
-            </a:r>
-            <a:endParaRPr b="0" lang="en-GB" sz="3200" spc="-1" strike="noStrike">
-              <a:latin typeface="Arial"/>
-            </a:endParaRPr>
-          </a:p>
-          <a:p>
-            <a:pPr marL="216000" indent="-214920">
+              <a:t>tasks </a:t>
+            </a:r>
+            <a:r>
+              <a:rPr b="0" lang="en-GB" sz="2400" spc="-1" strike="noStrike">
+                <a:solidFill>
+                  <a:srgbClr val="000000"/>
+                </a:solidFill>
+                <a:latin typeface="Arial"/>
+                <a:ea typeface="DejaVu Sans"/>
+              </a:rPr>
+              <a:t>writing to sqlite3 database</a:t>
+            </a:r>
+            <a:endParaRPr b="0" lang="en-GB" sz="2400" spc="-1" strike="noStrike">
+              <a:latin typeface="Arial"/>
+            </a:endParaRPr>
+          </a:p>
+          <a:p>
+            <a:pPr marL="216000" indent="-214200">
               <a:lnSpc>
                 <a:spcPct val="100000"/>
               </a:lnSpc>
+              <a:spcBef>
+                <a:spcPts val="567"/>
+              </a:spcBef>
               <a:buClr>
                 <a:srgbClr val="000000"/>
               </a:buClr>
@@ -8974,7 +9083,7 @@
               <a:buChar char=""/>
             </a:pPr>
             <a:r>
-              <a:rPr b="0" lang="en-GB" sz="3200" spc="-1" strike="noStrike">
+              <a:rPr b="0" lang="en-GB" sz="2400" spc="-1" strike="noStrike">
                 <a:solidFill>
                   <a:srgbClr val="000000"/>
                 </a:solidFill>
@@ -8984,7 +9093,7 @@
               <a:t>(Currently) Some </a:t>
             </a:r>
             <a:r>
-              <a:rPr b="1" lang="en-GB" sz="3200" spc="-1" strike="noStrike">
+              <a:rPr b="1" lang="en-GB" sz="2400" spc="-1" strike="noStrike">
                 <a:solidFill>
                   <a:srgbClr val="000000"/>
                 </a:solidFill>
@@ -8994,7 +9103,7 @@
               <a:t>External AI</a:t>
             </a:r>
             <a:r>
-              <a:rPr b="0" lang="en-GB" sz="3200" spc="-1" strike="noStrike">
+              <a:rPr b="0" lang="en-GB" sz="2400" spc="-1" strike="noStrike">
                 <a:solidFill>
                   <a:srgbClr val="000000"/>
                 </a:solidFill>
@@ -9003,7 +9112,7 @@
               </a:rPr>
               <a:t> to be turned off</a:t>
             </a:r>
-            <a:endParaRPr b="0" lang="en-GB" sz="3200" spc="-1" strike="noStrike">
+            <a:endParaRPr b="0" lang="en-GB" sz="2400" spc="-1" strike="noStrike">
               <a:latin typeface="Arial"/>
             </a:endParaRPr>
           </a:p>
@@ -9067,7 +9176,7 @@
         <p:spPr>
           <a:xfrm>
             <a:off x="504000" y="226080"/>
-            <a:ext cx="9070560" cy="945360"/>
+            <a:ext cx="9069840" cy="944640"/>
           </a:xfrm>
           <a:prstGeom prst="rect">
             <a:avLst/>
@@ -9099,7 +9208,7 @@
                 <a:latin typeface="Arial"/>
                 <a:ea typeface="DejaVu Sans"/>
               </a:rPr>
-              <a:t>Challenges (1)</a:t>
+              <a:t>Documentation</a:t>
             </a:r>
             <a:endParaRPr b="0" lang="en-GB" sz="4400" spc="-1" strike="noStrike">
               <a:latin typeface="Arial"/>
@@ -9116,7 +9225,7 @@
         <p:spPr>
           <a:xfrm>
             <a:off x="504000" y="1326600"/>
-            <a:ext cx="9070560" cy="3287160"/>
+            <a:ext cx="9069840" cy="3286440"/>
           </a:xfrm>
           <a:prstGeom prst="rect">
             <a:avLst/>
@@ -9137,7 +9246,7 @@
             <a:normAutofit/>
           </a:bodyPr>
           <a:p>
-            <a:pPr marL="432000" indent="-322920">
+            <a:pPr marL="432000" indent="-322200">
               <a:lnSpc>
                 <a:spcPct val="100000"/>
               </a:lnSpc>
@@ -9159,14 +9268,14 @@
                 <a:latin typeface="Arial"/>
                 <a:ea typeface="DejaVu Sans"/>
               </a:rPr>
-              <a:t>Making production version, but that depends on hardware etc.</a:t>
-            </a:r>
-            <a:endParaRPr b="0" lang="en-GB" sz="3200" spc="-1" strike="noStrike">
-              <a:latin typeface="Arial"/>
-            </a:endParaRPr>
-          </a:p>
-          <a:p>
-            <a:pPr marL="432000" indent="-322920">
+              <a:t>Fairly ample in the custom code</a:t>
+            </a:r>
+            <a:endParaRPr b="0" lang="en-GB" sz="3200" spc="-1" strike="noStrike">
+              <a:latin typeface="Arial"/>
+            </a:endParaRPr>
+          </a:p>
+          <a:p>
+            <a:pPr marL="432000" indent="-322200">
               <a:lnSpc>
                 <a:spcPct val="100000"/>
               </a:lnSpc>
@@ -9188,14 +9297,26 @@
                 <a:latin typeface="Arial"/>
                 <a:ea typeface="DejaVu Sans"/>
               </a:rPr>
-              <a:t>Make video work</a:t>
-            </a:r>
-            <a:endParaRPr b="0" lang="en-GB" sz="3200" spc="-1" strike="noStrike">
-              <a:latin typeface="Arial"/>
-            </a:endParaRPr>
-          </a:p>
-          <a:p>
-            <a:pPr marL="432000" indent="-322920">
+              <a:t>Building up on </a:t>
+            </a:r>
+            <a:r>
+              <a:rPr b="0" lang="en-GB" sz="3200" spc="-1" strike="noStrike" u="sng">
+                <a:solidFill>
+                  <a:srgbClr val="0000ff"/>
+                </a:solidFill>
+                <a:uFillTx/>
+                <a:latin typeface="Arial"/>
+                <a:ea typeface="DejaVu Sans"/>
+                <a:hlinkClick r:id="rId1"/>
+              </a:rPr>
+              <a:t>https://github.com/hbarnard/mema/wiki</a:t>
+            </a:r>
+            <a:endParaRPr b="0" lang="en-GB" sz="3200" spc="-1" strike="noStrike">
+              <a:latin typeface="Arial"/>
+            </a:endParaRPr>
+          </a:p>
+          <a:p>
+            <a:pPr marL="432000" indent="-322200">
               <a:lnSpc>
                 <a:spcPct val="100000"/>
               </a:lnSpc>
@@ -9212,41 +9333,12 @@
             <a:r>
               <a:rPr b="0" lang="en-GB" sz="3200" spc="-1" strike="noStrike">
                 <a:solidFill>
-                  <a:srgbClr val="000000"/>
+                  <a:srgbClr val="0000ff"/>
                 </a:solidFill>
                 <a:latin typeface="Arial"/>
                 <a:ea typeface="DejaVu Sans"/>
               </a:rPr>
-              <a:t>Testing with varied voices (Kaldi should be speaker independent) and other ASRs within Rhasspy</a:t>
-            </a:r>
-            <a:endParaRPr b="0" lang="en-GB" sz="3200" spc="-1" strike="noStrike">
-              <a:latin typeface="Arial"/>
-            </a:endParaRPr>
-          </a:p>
-          <a:p>
-            <a:pPr marL="432000" indent="-322920">
-              <a:lnSpc>
-                <a:spcPct val="100000"/>
-              </a:lnSpc>
-              <a:spcBef>
-                <a:spcPts val="1417"/>
-              </a:spcBef>
-              <a:buClr>
-                <a:srgbClr val="000000"/>
-              </a:buClr>
-              <a:buSzPct val="45000"/>
-              <a:buFont typeface="Wingdings" charset="2"/>
-              <a:buChar char=""/>
-            </a:pPr>
-            <a:r>
-              <a:rPr b="0" lang="en-GB" sz="3200" spc="-1" strike="noStrike">
-                <a:solidFill>
-                  <a:srgbClr val="000000"/>
-                </a:solidFill>
-                <a:latin typeface="Arial"/>
-                <a:ea typeface="DejaVu Sans"/>
-              </a:rPr>
-              <a:t>Possible integration of Ghost AI (speech to text)</a:t>
+              <a:t>For standard components, pretty ample documentation and good community, including stackoverflow.</a:t>
             </a:r>
             <a:endParaRPr b="0" lang="en-GB" sz="3200" spc="-1" strike="noStrike">
               <a:latin typeface="Arial"/>
@@ -9312,7 +9404,7 @@
         <p:spPr>
           <a:xfrm>
             <a:off x="504000" y="226080"/>
-            <a:ext cx="9070560" cy="945360"/>
+            <a:ext cx="9069840" cy="944640"/>
           </a:xfrm>
           <a:prstGeom prst="rect">
             <a:avLst/>
@@ -9344,7 +9436,7 @@
                 <a:latin typeface="Arial"/>
                 <a:ea typeface="DejaVu Sans"/>
               </a:rPr>
-              <a:t>Challenges (2)</a:t>
+              <a:t>Challenges (1)</a:t>
             </a:r>
             <a:endParaRPr b="0" lang="en-GB" sz="4400" spc="-1" strike="noStrike">
               <a:latin typeface="Arial"/>
@@ -9361,7 +9453,7 @@
         <p:spPr>
           <a:xfrm>
             <a:off x="504000" y="1326600"/>
-            <a:ext cx="9070560" cy="3287160"/>
+            <a:ext cx="9069840" cy="3286440"/>
           </a:xfrm>
           <a:prstGeom prst="rect">
             <a:avLst/>
@@ -9382,7 +9474,7 @@
             <a:normAutofit/>
           </a:bodyPr>
           <a:p>
-            <a:pPr marL="432000" indent="-322920">
+            <a:pPr marL="432000" indent="-322200">
               <a:lnSpc>
                 <a:spcPct val="100000"/>
               </a:lnSpc>
@@ -9404,14 +9496,14 @@
                 <a:latin typeface="Arial"/>
                 <a:ea typeface="DejaVu Sans"/>
               </a:rPr>
-              <a:t>Testing versions of the interface with potential users</a:t>
-            </a:r>
-            <a:endParaRPr b="0" lang="en-GB" sz="3200" spc="-1" strike="noStrike">
-              <a:latin typeface="Arial"/>
-            </a:endParaRPr>
-          </a:p>
-          <a:p>
-            <a:pPr marL="432000" indent="-322920">
+              <a:t>Making production version, but that depends on hardware etc.</a:t>
+            </a:r>
+            <a:endParaRPr b="0" lang="en-GB" sz="3200" spc="-1" strike="noStrike">
+              <a:latin typeface="Arial"/>
+            </a:endParaRPr>
+          </a:p>
+          <a:p>
+            <a:pPr marL="432000" indent="-322200">
               <a:lnSpc>
                 <a:spcPct val="100000"/>
               </a:lnSpc>
@@ -9433,14 +9525,14 @@
                 <a:latin typeface="Arial"/>
                 <a:ea typeface="DejaVu Sans"/>
               </a:rPr>
-              <a:t>Testing stability (generally good, been leaving it overnight etc.)</a:t>
-            </a:r>
-            <a:endParaRPr b="0" lang="en-GB" sz="3200" spc="-1" strike="noStrike">
-              <a:latin typeface="Arial"/>
-            </a:endParaRPr>
-          </a:p>
-          <a:p>
-            <a:pPr marL="432000" indent="-322920">
+              <a:t>Make video work</a:t>
+            </a:r>
+            <a:endParaRPr b="0" lang="en-GB" sz="3200" spc="-1" strike="noStrike">
+              <a:latin typeface="Arial"/>
+            </a:endParaRPr>
+          </a:p>
+          <a:p>
+            <a:pPr marL="432000" indent="-322200">
               <a:lnSpc>
                 <a:spcPct val="100000"/>
               </a:lnSpc>
@@ -9462,14 +9554,14 @@
                 <a:latin typeface="Arial"/>
                 <a:ea typeface="DejaVu Sans"/>
               </a:rPr>
-              <a:t>Designing and dealing with granular privacy and 'user accounts', face recognition mooted in Miro notes, for example</a:t>
-            </a:r>
-            <a:endParaRPr b="0" lang="en-GB" sz="3200" spc="-1" strike="noStrike">
-              <a:latin typeface="Arial"/>
-            </a:endParaRPr>
-          </a:p>
-          <a:p>
-            <a:pPr marL="432000" indent="-322920">
+              <a:t>Robust hardware and presentation</a:t>
+            </a:r>
+            <a:endParaRPr b="0" lang="en-GB" sz="3200" spc="-1" strike="noStrike">
+              <a:latin typeface="Arial"/>
+            </a:endParaRPr>
+          </a:p>
+          <a:p>
+            <a:pPr marL="432000" indent="-322200">
               <a:lnSpc>
                 <a:spcPct val="100000"/>
               </a:lnSpc>
@@ -9491,14 +9583,14 @@
                 <a:latin typeface="Arial"/>
                 <a:ea typeface="DejaVu Sans"/>
               </a:rPr>
-              <a:t>Optimising/reliability and refactoring in the Python, need stability first though</a:t>
-            </a:r>
-            <a:endParaRPr b="0" lang="en-GB" sz="3200" spc="-1" strike="noStrike">
-              <a:latin typeface="Arial"/>
-            </a:endParaRPr>
-          </a:p>
-          <a:p>
-            <a:pPr marL="432000" indent="-322920">
+              <a:t>Testing with varied voices (Kaldi should be speaker independent) and other ASRs within Rhasspy</a:t>
+            </a:r>
+            <a:endParaRPr b="0" lang="en-GB" sz="3200" spc="-1" strike="noStrike">
+              <a:latin typeface="Arial"/>
+            </a:endParaRPr>
+          </a:p>
+          <a:p>
+            <a:pPr marL="432000" indent="-322200">
               <a:lnSpc>
                 <a:spcPct val="100000"/>
               </a:lnSpc>
@@ -9520,7 +9612,7 @@
                 <a:latin typeface="Arial"/>
                 <a:ea typeface="DejaVu Sans"/>
               </a:rPr>
-              <a:t>Licence given the assorted licences for components</a:t>
+              <a:t>Possible integration of Ghost AI (speech to text)</a:t>
             </a:r>
             <a:endParaRPr b="0" lang="en-GB" sz="3200" spc="-1" strike="noStrike">
               <a:latin typeface="Arial"/>
@@ -9586,7 +9678,7 @@
         <p:spPr>
           <a:xfrm>
             <a:off x="504000" y="226080"/>
-            <a:ext cx="9070560" cy="945360"/>
+            <a:ext cx="9069840" cy="944640"/>
           </a:xfrm>
           <a:prstGeom prst="rect">
             <a:avLst/>
@@ -9618,7 +9710,7 @@
                 <a:latin typeface="Arial"/>
                 <a:ea typeface="DejaVu Sans"/>
               </a:rPr>
-              <a:t>Opportunities</a:t>
+              <a:t>Challenges (2)</a:t>
             </a:r>
             <a:endParaRPr b="0" lang="en-GB" sz="4400" spc="-1" strike="noStrike">
               <a:latin typeface="Arial"/>
@@ -9635,7 +9727,7 @@
         <p:spPr>
           <a:xfrm>
             <a:off x="504000" y="1326600"/>
-            <a:ext cx="9070560" cy="3287160"/>
+            <a:ext cx="9069840" cy="3286440"/>
           </a:xfrm>
           <a:prstGeom prst="rect">
             <a:avLst/>
@@ -9656,7 +9748,7 @@
             <a:normAutofit/>
           </a:bodyPr>
           <a:p>
-            <a:pPr marL="432000" indent="-322920">
+            <a:pPr marL="432000" indent="-322200">
               <a:lnSpc>
                 <a:spcPct val="100000"/>
               </a:lnSpc>
@@ -9678,34 +9770,14 @@
                 <a:latin typeface="Arial"/>
                 <a:ea typeface="DejaVu Sans"/>
               </a:rPr>
-              <a:t>Convergence, since it's component based can benefit from improvements (for example, </a:t>
-            </a:r>
-            <a:r>
-              <a:rPr b="1" lang="en-GB" sz="3200" spc="-1" strike="noStrike">
-                <a:solidFill>
-                  <a:srgbClr val="000000"/>
-                </a:solidFill>
-                <a:latin typeface="Arial"/>
-                <a:ea typeface="DejaVu Sans"/>
-              </a:rPr>
-              <a:t>Ghost AI</a:t>
-            </a:r>
-            <a:r>
-              <a:rPr b="0" lang="en-GB" sz="3200" spc="-1" strike="noStrike">
-                <a:solidFill>
-                  <a:srgbClr val="000000"/>
-                </a:solidFill>
-                <a:latin typeface="Arial"/>
-                <a:ea typeface="DejaVu Sans"/>
-              </a:rPr>
-              <a:t> will probably be integrated, so internal transcription available)</a:t>
-            </a:r>
-            <a:endParaRPr b="0" lang="en-GB" sz="3200" spc="-1" strike="noStrike">
-              <a:latin typeface="Arial"/>
-            </a:endParaRPr>
-          </a:p>
-          <a:p>
-            <a:pPr marL="432000" indent="-322920">
+              <a:t>Testing versions of the interface with potential users</a:t>
+            </a:r>
+            <a:endParaRPr b="0" lang="en-GB" sz="3200" spc="-1" strike="noStrike">
+              <a:latin typeface="Arial"/>
+            </a:endParaRPr>
+          </a:p>
+          <a:p>
+            <a:pPr marL="432000" indent="-322200">
               <a:lnSpc>
                 <a:spcPct val="100000"/>
               </a:lnSpc>
@@ -9727,14 +9799,14 @@
                 <a:latin typeface="Arial"/>
                 <a:ea typeface="DejaVu Sans"/>
               </a:rPr>
-              <a:t>The central part was hacked from an open source voice assistant</a:t>
-            </a:r>
-            <a:endParaRPr b="0" lang="en-GB" sz="3200" spc="-1" strike="noStrike">
-              <a:latin typeface="Arial"/>
-            </a:endParaRPr>
-          </a:p>
-          <a:p>
-            <a:pPr marL="432000" indent="-322920">
+              <a:t>Testing stability (generally good, been leaving it overnight etc.)</a:t>
+            </a:r>
+            <a:endParaRPr b="0" lang="en-GB" sz="3200" spc="-1" strike="noStrike">
+              <a:latin typeface="Arial"/>
+            </a:endParaRPr>
+          </a:p>
+          <a:p>
+            <a:pPr marL="432000" indent="-322200">
               <a:lnSpc>
                 <a:spcPct val="100000"/>
               </a:lnSpc>
@@ -9756,14 +9828,14 @@
                 <a:latin typeface="Arial"/>
                 <a:ea typeface="DejaVu Sans"/>
               </a:rPr>
-              <a:t>So extra privacy-preserving 'in home' opportunities</a:t>
-            </a:r>
-            <a:endParaRPr b="0" lang="en-GB" sz="3200" spc="-1" strike="noStrike">
-              <a:latin typeface="Arial"/>
-            </a:endParaRPr>
-          </a:p>
-          <a:p>
-            <a:pPr marL="432000" indent="-322920">
+              <a:t>Designing and dealing with granular privacy and 'user accounts', face recognition mooted in Miro notes, for example</a:t>
+            </a:r>
+            <a:endParaRPr b="0" lang="en-GB" sz="3200" spc="-1" strike="noStrike">
+              <a:latin typeface="Arial"/>
+            </a:endParaRPr>
+          </a:p>
+          <a:p>
+            <a:pPr marL="432000" indent="-322200">
               <a:lnSpc>
                 <a:spcPct val="100000"/>
               </a:lnSpc>
@@ -9785,14 +9857,14 @@
                 <a:latin typeface="Arial"/>
                 <a:ea typeface="DejaVu Sans"/>
               </a:rPr>
-              <a:t>I pitched this to an NHS hack day about five years ago, lots of interest</a:t>
-            </a:r>
-            <a:endParaRPr b="0" lang="en-GB" sz="3200" spc="-1" strike="noStrike">
-              <a:latin typeface="Arial"/>
-            </a:endParaRPr>
-          </a:p>
-          <a:p>
-            <a:pPr marL="432000" indent="-322920">
+              <a:t>Optimising/reliability and refactoring in the Python, need stability first though</a:t>
+            </a:r>
+            <a:endParaRPr b="0" lang="en-GB" sz="3200" spc="-1" strike="noStrike">
+              <a:latin typeface="Arial"/>
+            </a:endParaRPr>
+          </a:p>
+          <a:p>
+            <a:pPr marL="432000" indent="-322200">
               <a:lnSpc>
                 <a:spcPct val="100000"/>
               </a:lnSpc>
@@ -9814,7 +9886,7 @@
                 <a:latin typeface="Arial"/>
                 <a:ea typeface="DejaVu Sans"/>
               </a:rPr>
-              <a:t>Sure there's 'more'</a:t>
+              <a:t>Licence given the assorted licences for components</a:t>
             </a:r>
             <a:endParaRPr b="0" lang="en-GB" sz="3200" spc="-1" strike="noStrike">
               <a:latin typeface="Arial"/>
@@ -9880,7 +9952,7 @@
         <p:spPr>
           <a:xfrm>
             <a:off x="504000" y="226080"/>
-            <a:ext cx="9070560" cy="945360"/>
+            <a:ext cx="9069840" cy="944640"/>
           </a:xfrm>
           <a:prstGeom prst="rect">
             <a:avLst/>
@@ -9912,7 +9984,7 @@
                 <a:latin typeface="Arial"/>
                 <a:ea typeface="DejaVu Sans"/>
               </a:rPr>
-              <a:t>That's It!</a:t>
+              <a:t>Opportunities</a:t>
             </a:r>
             <a:endParaRPr b="0" lang="en-GB" sz="4400" spc="-1" strike="noStrike">
               <a:latin typeface="Arial"/>
@@ -9929,7 +10001,7 @@
         <p:spPr>
           <a:xfrm>
             <a:off x="504000" y="1326600"/>
-            <a:ext cx="9070560" cy="3287160"/>
+            <a:ext cx="9069840" cy="3286440"/>
           </a:xfrm>
           <a:prstGeom prst="rect">
             <a:avLst/>
@@ -9950,7 +10022,7 @@
             <a:normAutofit/>
           </a:bodyPr>
           <a:p>
-            <a:pPr marL="432000" indent="-323280">
+            <a:pPr marL="432000" indent="-322200">
               <a:lnSpc>
                 <a:spcPct val="100000"/>
               </a:lnSpc>
@@ -9972,7 +10044,143 @@
                 <a:latin typeface="Arial"/>
                 <a:ea typeface="DejaVu Sans"/>
               </a:rPr>
-              <a:t>Thanks!</a:t>
+              <a:t>Convergence, since it's component based can benefit from improvements (for example, </a:t>
+            </a:r>
+            <a:r>
+              <a:rPr b="1" lang="en-GB" sz="3200" spc="-1" strike="noStrike">
+                <a:solidFill>
+                  <a:srgbClr val="000000"/>
+                </a:solidFill>
+                <a:latin typeface="Arial"/>
+                <a:ea typeface="DejaVu Sans"/>
+              </a:rPr>
+              <a:t>Ghost AI</a:t>
+            </a:r>
+            <a:r>
+              <a:rPr b="0" lang="en-GB" sz="3200" spc="-1" strike="noStrike">
+                <a:solidFill>
+                  <a:srgbClr val="000000"/>
+                </a:solidFill>
+                <a:latin typeface="Arial"/>
+                <a:ea typeface="DejaVu Sans"/>
+              </a:rPr>
+              <a:t> will probably be integrated, so internal transcription available)</a:t>
+            </a:r>
+            <a:endParaRPr b="0" lang="en-GB" sz="3200" spc="-1" strike="noStrike">
+              <a:latin typeface="Arial"/>
+            </a:endParaRPr>
+          </a:p>
+          <a:p>
+            <a:pPr marL="432000" indent="-322200">
+              <a:lnSpc>
+                <a:spcPct val="100000"/>
+              </a:lnSpc>
+              <a:spcBef>
+                <a:spcPts val="1417"/>
+              </a:spcBef>
+              <a:buClr>
+                <a:srgbClr val="000000"/>
+              </a:buClr>
+              <a:buSzPct val="45000"/>
+              <a:buFont typeface="Wingdings" charset="2"/>
+              <a:buChar char=""/>
+            </a:pPr>
+            <a:r>
+              <a:rPr b="0" lang="en-GB" sz="3200" spc="-1" strike="noStrike">
+                <a:solidFill>
+                  <a:srgbClr val="000000"/>
+                </a:solidFill>
+                <a:latin typeface="Arial"/>
+                <a:ea typeface="DejaVu Sans"/>
+              </a:rPr>
+              <a:t>The central part was hacked from an open source voice assistant</a:t>
+            </a:r>
+            <a:endParaRPr b="0" lang="en-GB" sz="3200" spc="-1" strike="noStrike">
+              <a:latin typeface="Arial"/>
+            </a:endParaRPr>
+          </a:p>
+          <a:p>
+            <a:pPr marL="432000" indent="-322200">
+              <a:lnSpc>
+                <a:spcPct val="100000"/>
+              </a:lnSpc>
+              <a:spcBef>
+                <a:spcPts val="1417"/>
+              </a:spcBef>
+              <a:buClr>
+                <a:srgbClr val="000000"/>
+              </a:buClr>
+              <a:buSzPct val="45000"/>
+              <a:buFont typeface="Wingdings" charset="2"/>
+              <a:buChar char=""/>
+            </a:pPr>
+            <a:r>
+              <a:rPr b="0" lang="en-GB" sz="3200" spc="-1" strike="noStrike">
+                <a:solidFill>
+                  <a:srgbClr val="000000"/>
+                </a:solidFill>
+                <a:latin typeface="Arial"/>
+                <a:ea typeface="DejaVu Sans"/>
+              </a:rPr>
+              <a:t>So extra privacy-preserving 'in home' opportunities</a:t>
+            </a:r>
+            <a:endParaRPr b="0" lang="en-GB" sz="3200" spc="-1" strike="noStrike">
+              <a:latin typeface="Arial"/>
+            </a:endParaRPr>
+          </a:p>
+          <a:p>
+            <a:pPr marL="432000" indent="-322200">
+              <a:lnSpc>
+                <a:spcPct val="100000"/>
+              </a:lnSpc>
+              <a:spcBef>
+                <a:spcPts val="1417"/>
+              </a:spcBef>
+              <a:buClr>
+                <a:srgbClr val="000000"/>
+              </a:buClr>
+              <a:buSzPct val="45000"/>
+              <a:buFont typeface="Wingdings" charset="2"/>
+              <a:buChar char=""/>
+            </a:pPr>
+            <a:r>
+              <a:rPr b="0" lang="en-GB" sz="3200" spc="-1" strike="noStrike">
+                <a:solidFill>
+                  <a:srgbClr val="000000"/>
+                </a:solidFill>
+                <a:latin typeface="Arial"/>
+                <a:ea typeface="DejaVu Sans"/>
+              </a:rPr>
+              <a:t>I pitched this to an NHS hack day about five years ago, lots of interest</a:t>
+            </a:r>
+            <a:endParaRPr b="0" lang="en-GB" sz="3200" spc="-1" strike="noStrike">
+              <a:latin typeface="Arial"/>
+            </a:endParaRPr>
+          </a:p>
+          <a:p>
+            <a:pPr marL="432000" indent="-322200">
+              <a:lnSpc>
+                <a:spcPct val="100000"/>
+              </a:lnSpc>
+              <a:spcBef>
+                <a:spcPts val="1417"/>
+              </a:spcBef>
+              <a:buClr>
+                <a:srgbClr val="000000"/>
+              </a:buClr>
+              <a:buSzPct val="45000"/>
+              <a:buFont typeface="Wingdings" charset="2"/>
+              <a:buChar char=""/>
+            </a:pPr>
+            <a:r>
+              <a:rPr b="0" lang="en-GB" sz="3200" spc="-1" strike="noStrike">
+                <a:solidFill>
+                  <a:srgbClr val="000000"/>
+                </a:solidFill>
+                <a:latin typeface="Arial"/>
+                <a:ea typeface="DejaVu Sans"/>
+              </a:rPr>
+              <a:t>Sure there's 'more'</a:t>
             </a:r>
             <a:endParaRPr b="0" lang="en-GB" sz="3200" spc="-1" strike="noStrike">
               <a:latin typeface="Arial"/>
@@ -9989,6 +10197,164 @@
           <p:childTnLst>
             <p:seq>
               <p:cTn id="46" dur="indefinite" nodeType="mainSeq"/>
+              <p:prevCondLst>
+                <p:cond delay="0" evt="onPrev">
+                  <p:tgtEl>
+                    <p:sldTgt/>
+                  </p:tgtEl>
+                </p:cond>
+              </p:prevCondLst>
+              <p:nextCondLst>
+                <p:cond delay="0" evt="onNext">
+                  <p:tgtEl>
+                    <p:sldTgt/>
+                  </p:tgtEl>
+                </p:cond>
+              </p:nextCondLst>
+            </p:seq>
+          </p:childTnLst>
+        </p:cTn>
+      </p:par>
+    </p:tnLst>
+  </p:timing>
+</p:sld>
+</file>
+
+<file path=ppt/slides/slide24.xml><?xml version="1.0" encoding="utf-8"?>
+<p:sld xmlns:a="http://schemas.openxmlformats.org/drawingml/2006/main" xmlns:p="http://schemas.openxmlformats.org/presentationml/2006/main" xmlns:r="http://schemas.openxmlformats.org/officeDocument/2006/relationships" xmlns:p14="http://schemas.microsoft.com/office/powerpoint/2010/main" xmlns:p15="http://schemas.microsoft.com/office/powerpoint/2012/main" xmlns:mc="http://schemas.openxmlformats.org/markup-compatibility/2006">
+  <p:cSld>
+    <p:spTree>
+      <p:nvGrpSpPr>
+        <p:cNvPr id="1" name=""/>
+        <p:cNvGrpSpPr/>
+        <p:nvPr/>
+      </p:nvGrpSpPr>
+      <p:grpSpPr>
+        <a:xfrm>
+          <a:off x="0" y="0"/>
+          <a:ext cx="0" cy="0"/>
+          <a:chOff x="0" y="0"/>
+          <a:chExt cx="0" cy="0"/>
+        </a:xfrm>
+      </p:grpSpPr>
+      <p:sp>
+        <p:nvSpPr>
+          <p:cNvPr id="192" name="CustomShape 1"/>
+          <p:cNvSpPr/>
+          <p:nvPr/>
+        </p:nvSpPr>
+        <p:spPr>
+          <a:xfrm>
+            <a:off x="504000" y="226080"/>
+            <a:ext cx="9069840" cy="944640"/>
+          </a:xfrm>
+          <a:prstGeom prst="rect">
+            <a:avLst/>
+          </a:prstGeom>
+          <a:noFill/>
+          <a:ln>
+            <a:noFill/>
+          </a:ln>
+        </p:spPr>
+        <p:style>
+          <a:lnRef idx="0"/>
+          <a:fillRef idx="0"/>
+          <a:effectRef idx="0"/>
+          <a:fontRef idx="minor"/>
+        </p:style>
+        <p:txBody>
+          <a:bodyPr lIns="0" rIns="0" tIns="0" bIns="0" anchor="ctr"/>
+          <a:p>
+            <a:pPr algn="ctr">
+              <a:lnSpc>
+                <a:spcPct val="100000"/>
+              </a:lnSpc>
+            </a:pPr>
+            <a:r>
+              <a:rPr b="0" lang="en-GB" sz="4400" spc="-1" strike="noStrike">
+                <a:solidFill>
+                  <a:srgbClr val="000000"/>
+                </a:solidFill>
+                <a:latin typeface="Arial"/>
+                <a:ea typeface="DejaVu Sans"/>
+              </a:rPr>
+              <a:t>That's It!</a:t>
+            </a:r>
+            <a:endParaRPr b="0" lang="en-GB" sz="4400" spc="-1" strike="noStrike">
+              <a:latin typeface="Arial"/>
+            </a:endParaRPr>
+          </a:p>
+        </p:txBody>
+      </p:sp>
+      <p:sp>
+        <p:nvSpPr>
+          <p:cNvPr id="193" name="CustomShape 2"/>
+          <p:cNvSpPr/>
+          <p:nvPr/>
+        </p:nvSpPr>
+        <p:spPr>
+          <a:xfrm>
+            <a:off x="504000" y="1326600"/>
+            <a:ext cx="9069840" cy="3286440"/>
+          </a:xfrm>
+          <a:prstGeom prst="rect">
+            <a:avLst/>
+          </a:prstGeom>
+          <a:noFill/>
+          <a:ln>
+            <a:noFill/>
+          </a:ln>
+        </p:spPr>
+        <p:style>
+          <a:lnRef idx="0"/>
+          <a:fillRef idx="0"/>
+          <a:effectRef idx="0"/>
+          <a:fontRef idx="minor"/>
+        </p:style>
+        <p:txBody>
+          <a:bodyPr lIns="0" rIns="0" tIns="0" bIns="0">
+            <a:normAutofit/>
+          </a:bodyPr>
+          <a:p>
+            <a:pPr marL="432000" indent="-322560">
+              <a:lnSpc>
+                <a:spcPct val="100000"/>
+              </a:lnSpc>
+              <a:spcBef>
+                <a:spcPts val="1417"/>
+              </a:spcBef>
+              <a:buClr>
+                <a:srgbClr val="000000"/>
+              </a:buClr>
+              <a:buSzPct val="45000"/>
+              <a:buFont typeface="Wingdings" charset="2"/>
+              <a:buChar char=""/>
+            </a:pPr>
+            <a:r>
+              <a:rPr b="0" lang="en-GB" sz="3200" spc="-1" strike="noStrike">
+                <a:solidFill>
+                  <a:srgbClr val="000000"/>
+                </a:solidFill>
+                <a:latin typeface="Arial"/>
+                <a:ea typeface="DejaVu Sans"/>
+              </a:rPr>
+              <a:t>Thanks!</a:t>
+            </a:r>
+            <a:endParaRPr b="0" lang="en-GB" sz="3200" spc="-1" strike="noStrike">
+              <a:latin typeface="Arial"/>
+            </a:endParaRPr>
+          </a:p>
+        </p:txBody>
+      </p:sp>
+    </p:spTree>
+  </p:cSld>
+  <p:timing>
+    <p:tnLst>
+      <p:par>
+        <p:cTn id="47" dur="indefinite" restart="never" nodeType="tmRoot">
+          <p:childTnLst>
+            <p:seq>
+              <p:cTn id="48" dur="indefinite" nodeType="mainSeq"/>
               <p:prevCondLst>
                 <p:cond delay="0" evt="onPrev">
                   <p:tgtEl>
@@ -10031,14 +10397,14 @@
       </p:grpSpPr>
       <p:sp>
         <p:nvSpPr>
-          <p:cNvPr id="156" name="CustomShape 1"/>
-          <p:cNvSpPr/>
+          <p:cNvPr id="156" name="TextShape 1"/>
+          <p:cNvSpPr txBox="1"/>
           <p:nvPr/>
         </p:nvSpPr>
         <p:spPr>
           <a:xfrm>
             <a:off x="504000" y="226080"/>
-            <a:ext cx="9070560" cy="945360"/>
+            <a:ext cx="9072000" cy="946440"/>
           </a:xfrm>
           <a:prstGeom prst="rect">
             <a:avLst/>
@@ -10048,29 +10414,15 @@
             <a:noFill/>
           </a:ln>
         </p:spPr>
-        <p:style>
-          <a:lnRef idx="0"/>
-          <a:fillRef idx="0"/>
-          <a:effectRef idx="0"/>
-          <a:fontRef idx="minor"/>
-        </p:style>
         <p:txBody>
           <a:bodyPr lIns="0" rIns="0" tIns="0" bIns="0" anchor="ctr"/>
           <a:p>
-            <a:pPr algn="ctr">
-              <a:lnSpc>
-                <a:spcPct val="100000"/>
-              </a:lnSpc>
-            </a:pPr>
+            <a:pPr algn="ctr"/>
             <a:r>
               <a:rPr b="0" lang="en-GB" sz="4400" spc="-1" strike="noStrike">
-                <a:solidFill>
-                  <a:srgbClr val="000000"/>
-                </a:solidFill>
-                <a:latin typeface="Arial"/>
-                <a:ea typeface="DejaVu Sans"/>
-              </a:rPr>
-              <a:t>Rhasspy: Port 12101</a:t>
+                <a:latin typeface="Arial"/>
+              </a:rPr>
+              <a:t>Docker</a:t>
             </a:r>
             <a:endParaRPr b="0" lang="en-GB" sz="4400" spc="-1" strike="noStrike">
               <a:latin typeface="Arial"/>
@@ -10080,14 +10432,14 @@
       </p:sp>
       <p:sp>
         <p:nvSpPr>
-          <p:cNvPr id="157" name="CustomShape 2"/>
-          <p:cNvSpPr/>
+          <p:cNvPr id="157" name="TextShape 2"/>
+          <p:cNvSpPr txBox="1"/>
           <p:nvPr/>
         </p:nvSpPr>
         <p:spPr>
           <a:xfrm>
-            <a:off x="504000" y="1326600"/>
-            <a:ext cx="9070560" cy="3287160"/>
+            <a:off x="504000" y="1303560"/>
+            <a:ext cx="9072000" cy="3334680"/>
           </a:xfrm>
           <a:prstGeom prst="rect">
             <a:avLst/>
@@ -10097,130 +10449,36 @@
             <a:noFill/>
           </a:ln>
         </p:spPr>
-        <p:style>
-          <a:lnRef idx="0"/>
-          <a:fillRef idx="0"/>
-          <a:effectRef idx="0"/>
-          <a:fontRef idx="minor"/>
-        </p:style>
-        <p:txBody>
-          <a:bodyPr lIns="0" rIns="0" tIns="0" bIns="0">
-            <a:normAutofit/>
-          </a:bodyPr>
-          <a:p>
-            <a:pPr marL="432000" indent="-322920">
-              <a:lnSpc>
-                <a:spcPct val="100000"/>
-              </a:lnSpc>
-              <a:spcBef>
-                <a:spcPts val="1417"/>
-              </a:spcBef>
-              <a:buClr>
-                <a:srgbClr val="000000"/>
-              </a:buClr>
-              <a:buSzPct val="45000"/>
-              <a:buFont typeface="Wingdings" charset="2"/>
-              <a:buChar char=""/>
-            </a:pPr>
+        <p:txBody>
+          <a:bodyPr lIns="0" rIns="0" tIns="0" bIns="0" anchor="ctr"/>
+          <a:p>
             <a:r>
               <a:rPr b="0" lang="en-GB" sz="3200" spc="-1" strike="noStrike">
-                <a:solidFill>
-                  <a:srgbClr val="000000"/>
-                </a:solidFill>
-                <a:latin typeface="Arial"/>
-                <a:ea typeface="DejaVu Sans"/>
-              </a:rPr>
-              <a:t>Think Alexis, Siri or Mycroft, open source home assistant (HA) with voice command</a:t>
-            </a:r>
-            <a:endParaRPr b="0" lang="en-GB" sz="3200" spc="-1" strike="noStrike">
-              <a:latin typeface="Arial"/>
-            </a:endParaRPr>
-          </a:p>
-          <a:p>
-            <a:pPr marL="432000" indent="-322920">
-              <a:lnSpc>
-                <a:spcPct val="100000"/>
-              </a:lnSpc>
-              <a:spcBef>
-                <a:spcPts val="1417"/>
-              </a:spcBef>
-              <a:buClr>
-                <a:srgbClr val="000000"/>
-              </a:buClr>
-              <a:buSzPct val="45000"/>
-              <a:buFont typeface="Wingdings" charset="2"/>
-              <a:buChar char=""/>
-            </a:pPr>
+                <a:latin typeface="Arial"/>
+              </a:rPr>
+              <a:t>Quite a lot more to this, but it's a container and image technology that enables processes to have their own (nearly) virtual machine.</a:t>
+            </a:r>
+            <a:endParaRPr b="0" lang="en-GB" sz="3200" spc="-1" strike="noStrike">
+              <a:latin typeface="Arial"/>
+              <a:ea typeface="Noto Sans CJK SC"/>
+            </a:endParaRPr>
+          </a:p>
+          <a:p>
+            <a:endParaRPr b="0" lang="en-GB" sz="3200" spc="-1" strike="noStrike">
+              <a:latin typeface="Arial"/>
+              <a:ea typeface="Noto Sans CJK SC"/>
+            </a:endParaRPr>
+          </a:p>
+          <a:p>
             <a:r>
               <a:rPr b="0" lang="en-GB" sz="3200" spc="-1" strike="noStrike">
-                <a:solidFill>
-                  <a:srgbClr val="000000"/>
-                </a:solidFill>
-                <a:latin typeface="Arial"/>
-                <a:ea typeface="DejaVu Sans"/>
-              </a:rPr>
-              <a:t>I rejected Mycroft because it's tightly linked to the cloud, Rhasspy gives 'choice'</a:t>
-            </a:r>
-            <a:endParaRPr b="0" lang="en-GB" sz="3200" spc="-1" strike="noStrike">
-              <a:latin typeface="Arial"/>
-            </a:endParaRPr>
-          </a:p>
-          <a:p>
-            <a:pPr marL="432000" indent="-322920">
-              <a:lnSpc>
-                <a:spcPct val="100000"/>
-              </a:lnSpc>
-              <a:spcBef>
-                <a:spcPts val="1417"/>
-              </a:spcBef>
-              <a:buClr>
-                <a:srgbClr val="000000"/>
-              </a:buClr>
-              <a:buSzPct val="45000"/>
-              <a:buFont typeface="Wingdings" charset="2"/>
-              <a:buChar char=""/>
-            </a:pPr>
-            <a:r>
-              <a:rPr b="0" lang="en-GB" sz="3200" spc="-1" strike="noStrike">
-                <a:solidFill>
-                  <a:srgbClr val="000000"/>
-                </a:solidFill>
-                <a:latin typeface="Arial"/>
-                <a:ea typeface="DejaVu Sans"/>
-              </a:rPr>
-              <a:t>Very configurable, good community</a:t>
-            </a:r>
-            <a:endParaRPr b="0" lang="en-GB" sz="3200" spc="-1" strike="noStrike">
-              <a:latin typeface="Arial"/>
-            </a:endParaRPr>
-          </a:p>
-          <a:p>
-            <a:pPr marL="432000" indent="-322920">
-              <a:lnSpc>
-                <a:spcPct val="100000"/>
-              </a:lnSpc>
-              <a:spcBef>
-                <a:spcPts val="1417"/>
-              </a:spcBef>
-              <a:buClr>
-                <a:srgbClr val="000000"/>
-              </a:buClr>
-              <a:buSzPct val="45000"/>
-              <a:buFont typeface="Wingdings" charset="2"/>
-              <a:buChar char=""/>
-            </a:pPr>
-            <a:r>
-              <a:rPr b="0" lang="en-GB" sz="3200" spc="-1" strike="noStrike">
-                <a:solidFill>
-                  <a:srgbClr val="000000"/>
-                </a:solidFill>
-                <a:latin typeface="Arial"/>
-                <a:ea typeface="DejaVu Sans"/>
-              </a:rPr>
-              <a:t>Programmed 'intents' like Alexa 'skills'</a:t>
-            </a:r>
-            <a:endParaRPr b="0" lang="en-GB" sz="3200" spc="-1" strike="noStrike">
-              <a:latin typeface="Arial"/>
+                <a:latin typeface="Arial"/>
+              </a:rPr>
+              <a:t>For reasons of performance and simplicity may remove this in a future version put the contributing components 'nearer the metal'.</a:t>
+            </a:r>
+            <a:endParaRPr b="0" lang="en-GB" sz="3200" spc="-1" strike="noStrike">
+              <a:latin typeface="Arial"/>
+              <a:ea typeface="Noto Sans CJK SC"/>
             </a:endParaRPr>
           </a:p>
         </p:txBody>
@@ -10274,29 +10532,202 @@
           <a:chExt cx="0" cy="0"/>
         </a:xfrm>
       </p:grpSpPr>
-      <p:pic>
-        <p:nvPicPr>
-          <p:cNvPr id="158" name="" descr=""/>
-          <p:cNvPicPr/>
+      <p:sp>
+        <p:nvSpPr>
+          <p:cNvPr id="158" name="CustomShape 1"/>
+          <p:cNvSpPr/>
           <p:nvPr/>
-        </p:nvPicPr>
-        <p:blipFill>
-          <a:blip r:embed="rId1"/>
-          <a:stretch/>
-        </p:blipFill>
-        <p:spPr>
-          <a:xfrm>
-            <a:off x="48600" y="579600"/>
-            <a:ext cx="10080000" cy="4609440"/>
-          </a:xfrm>
-          <a:prstGeom prst="rect">
-            <a:avLst/>
-          </a:prstGeom>
+        </p:nvSpPr>
+        <p:spPr>
+          <a:xfrm>
+            <a:off x="504000" y="226080"/>
+            <a:ext cx="9069840" cy="944640"/>
+          </a:xfrm>
+          <a:prstGeom prst="rect">
+            <a:avLst/>
+          </a:prstGeom>
+          <a:noFill/>
           <a:ln>
             <a:noFill/>
           </a:ln>
         </p:spPr>
-      </p:pic>
+        <p:style>
+          <a:lnRef idx="0"/>
+          <a:fillRef idx="0"/>
+          <a:effectRef idx="0"/>
+          <a:fontRef idx="minor"/>
+        </p:style>
+        <p:txBody>
+          <a:bodyPr lIns="0" rIns="0" tIns="0" bIns="0" anchor="ctr"/>
+          <a:p>
+            <a:pPr algn="ctr">
+              <a:lnSpc>
+                <a:spcPct val="100000"/>
+              </a:lnSpc>
+            </a:pPr>
+            <a:r>
+              <a:rPr b="0" lang="en-GB" sz="4400" spc="-1" strike="noStrike">
+                <a:solidFill>
+                  <a:srgbClr val="000000"/>
+                </a:solidFill>
+                <a:latin typeface="Arial"/>
+                <a:ea typeface="DejaVu Sans"/>
+              </a:rPr>
+              <a:t>Rhasspy: Port 12101</a:t>
+            </a:r>
+            <a:endParaRPr b="0" lang="en-GB" sz="4400" spc="-1" strike="noStrike">
+              <a:latin typeface="Arial"/>
+            </a:endParaRPr>
+          </a:p>
+        </p:txBody>
+      </p:sp>
+      <p:sp>
+        <p:nvSpPr>
+          <p:cNvPr id="159" name="CustomShape 2"/>
+          <p:cNvSpPr/>
+          <p:nvPr/>
+        </p:nvSpPr>
+        <p:spPr>
+          <a:xfrm>
+            <a:off x="504000" y="1326600"/>
+            <a:ext cx="9069840" cy="3286440"/>
+          </a:xfrm>
+          <a:prstGeom prst="rect">
+            <a:avLst/>
+          </a:prstGeom>
+          <a:noFill/>
+          <a:ln>
+            <a:noFill/>
+          </a:ln>
+        </p:spPr>
+        <p:style>
+          <a:lnRef idx="0"/>
+          <a:fillRef idx="0"/>
+          <a:effectRef idx="0"/>
+          <a:fontRef idx="minor"/>
+        </p:style>
+        <p:txBody>
+          <a:bodyPr lIns="0" rIns="0" tIns="0" bIns="0">
+            <a:normAutofit/>
+          </a:bodyPr>
+          <a:p>
+            <a:pPr marL="432000" indent="-322200">
+              <a:lnSpc>
+                <a:spcPct val="100000"/>
+              </a:lnSpc>
+              <a:spcBef>
+                <a:spcPts val="1417"/>
+              </a:spcBef>
+              <a:buClr>
+                <a:srgbClr val="000000"/>
+              </a:buClr>
+              <a:buSzPct val="45000"/>
+              <a:buFont typeface="Wingdings" charset="2"/>
+              <a:buChar char=""/>
+            </a:pPr>
+            <a:r>
+              <a:rPr b="0" lang="en-GB" sz="3200" spc="-1" strike="noStrike">
+                <a:solidFill>
+                  <a:srgbClr val="000000"/>
+                </a:solidFill>
+                <a:latin typeface="Arial"/>
+                <a:ea typeface="DejaVu Sans"/>
+              </a:rPr>
+              <a:t>Think Alexis, Siri or Mycroft, open source home assistant (HA) with voice command</a:t>
+            </a:r>
+            <a:endParaRPr b="0" lang="en-GB" sz="3200" spc="-1" strike="noStrike">
+              <a:latin typeface="Arial"/>
+            </a:endParaRPr>
+          </a:p>
+          <a:p>
+            <a:pPr marL="432000" indent="-322200">
+              <a:lnSpc>
+                <a:spcPct val="100000"/>
+              </a:lnSpc>
+              <a:spcBef>
+                <a:spcPts val="1417"/>
+              </a:spcBef>
+              <a:buClr>
+                <a:srgbClr val="000000"/>
+              </a:buClr>
+              <a:buSzPct val="45000"/>
+              <a:buFont typeface="Wingdings" charset="2"/>
+              <a:buChar char=""/>
+            </a:pPr>
+            <a:r>
+              <a:rPr b="0" lang="en-GB" sz="3200" spc="-1" strike="noStrike">
+                <a:solidFill>
+                  <a:srgbClr val="000000"/>
+                </a:solidFill>
+                <a:latin typeface="Arial"/>
+                <a:ea typeface="DejaVu Sans"/>
+              </a:rPr>
+              <a:t>I rejected Mycroft because it's tightly linked to the cloud, Rhasspy gives 'choice'</a:t>
+            </a:r>
+            <a:endParaRPr b="0" lang="en-GB" sz="3200" spc="-1" strike="noStrike">
+              <a:latin typeface="Arial"/>
+            </a:endParaRPr>
+          </a:p>
+          <a:p>
+            <a:pPr marL="432000" indent="-322200">
+              <a:lnSpc>
+                <a:spcPct val="100000"/>
+              </a:lnSpc>
+              <a:spcBef>
+                <a:spcPts val="1417"/>
+              </a:spcBef>
+              <a:buClr>
+                <a:srgbClr val="000000"/>
+              </a:buClr>
+              <a:buSzPct val="45000"/>
+              <a:buFont typeface="Wingdings" charset="2"/>
+              <a:buChar char=""/>
+            </a:pPr>
+            <a:r>
+              <a:rPr b="0" lang="en-GB" sz="3200" spc="-1" strike="noStrike">
+                <a:solidFill>
+                  <a:srgbClr val="000000"/>
+                </a:solidFill>
+                <a:latin typeface="Arial"/>
+                <a:ea typeface="DejaVu Sans"/>
+              </a:rPr>
+              <a:t>Very configurable, good community</a:t>
+            </a:r>
+            <a:endParaRPr b="0" lang="en-GB" sz="3200" spc="-1" strike="noStrike">
+              <a:latin typeface="Arial"/>
+            </a:endParaRPr>
+          </a:p>
+          <a:p>
+            <a:pPr marL="432000" indent="-322200">
+              <a:lnSpc>
+                <a:spcPct val="100000"/>
+              </a:lnSpc>
+              <a:spcBef>
+                <a:spcPts val="1417"/>
+              </a:spcBef>
+              <a:buClr>
+                <a:srgbClr val="000000"/>
+              </a:buClr>
+              <a:buSzPct val="45000"/>
+              <a:buFont typeface="Wingdings" charset="2"/>
+              <a:buChar char=""/>
+            </a:pPr>
+            <a:r>
+              <a:rPr b="0" lang="en-GB" sz="3200" spc="-1" strike="noStrike">
+                <a:solidFill>
+                  <a:srgbClr val="000000"/>
+                </a:solidFill>
+                <a:latin typeface="Arial"/>
+                <a:ea typeface="DejaVu Sans"/>
+              </a:rPr>
+              <a:t>Programmed 'intents' like Alexa 'skills'</a:t>
+            </a:r>
+            <a:endParaRPr b="0" lang="en-GB" sz="3200" spc="-1" strike="noStrike">
+              <a:latin typeface="Arial"/>
+            </a:endParaRPr>
+          </a:p>
+        </p:txBody>
+      </p:sp>
     </p:spTree>
   </p:cSld>
   <p:timing>
@@ -10346,231 +10777,29 @@
           <a:chExt cx="0" cy="0"/>
         </a:xfrm>
       </p:grpSpPr>
-      <p:sp>
-        <p:nvSpPr>
-          <p:cNvPr id="159" name="CustomShape 1"/>
-          <p:cNvSpPr/>
+      <p:pic>
+        <p:nvPicPr>
+          <p:cNvPr id="160" name="" descr=""/>
+          <p:cNvPicPr/>
           <p:nvPr/>
-        </p:nvSpPr>
-        <p:spPr>
-          <a:xfrm>
-            <a:off x="504000" y="226080"/>
-            <a:ext cx="9070560" cy="945360"/>
-          </a:xfrm>
-          <a:prstGeom prst="rect">
-            <a:avLst/>
-          </a:prstGeom>
-          <a:noFill/>
+        </p:nvPicPr>
+        <p:blipFill>
+          <a:blip r:embed="rId1"/>
+          <a:stretch/>
+        </p:blipFill>
+        <p:spPr>
+          <a:xfrm>
+            <a:off x="48600" y="579600"/>
+            <a:ext cx="10079280" cy="4608720"/>
+          </a:xfrm>
+          <a:prstGeom prst="rect">
+            <a:avLst/>
+          </a:prstGeom>
           <a:ln>
             <a:noFill/>
           </a:ln>
         </p:spPr>
-        <p:style>
-          <a:lnRef idx="0"/>
-          <a:fillRef idx="0"/>
-          <a:effectRef idx="0"/>
-          <a:fontRef idx="minor"/>
-        </p:style>
-        <p:txBody>
-          <a:bodyPr lIns="0" rIns="0" tIns="0" bIns="0" anchor="ctr"/>
-          <a:p>
-            <a:pPr algn="ctr">
-              <a:lnSpc>
-                <a:spcPct val="100000"/>
-              </a:lnSpc>
-            </a:pPr>
-            <a:r>
-              <a:rPr b="0" lang="en-GB" sz="4400" spc="-1" strike="noStrike">
-                <a:solidFill>
-                  <a:srgbClr val="000000"/>
-                </a:solidFill>
-                <a:latin typeface="Arial"/>
-                <a:ea typeface="DejaVu Sans"/>
-              </a:rPr>
-              <a:t>Mimic3: Port 59125</a:t>
-            </a:r>
-            <a:endParaRPr b="0" lang="en-GB" sz="4400" spc="-1" strike="noStrike">
-              <a:latin typeface="Arial"/>
-            </a:endParaRPr>
-          </a:p>
-        </p:txBody>
-      </p:sp>
-      <p:sp>
-        <p:nvSpPr>
-          <p:cNvPr id="160" name="CustomShape 2"/>
-          <p:cNvSpPr/>
-          <p:nvPr/>
-        </p:nvSpPr>
-        <p:spPr>
-          <a:xfrm>
-            <a:off x="504000" y="1326600"/>
-            <a:ext cx="9070560" cy="3287160"/>
-          </a:xfrm>
-          <a:prstGeom prst="rect">
-            <a:avLst/>
-          </a:prstGeom>
-          <a:noFill/>
-          <a:ln>
-            <a:noFill/>
-          </a:ln>
-        </p:spPr>
-        <p:style>
-          <a:lnRef idx="0"/>
-          <a:fillRef idx="0"/>
-          <a:effectRef idx="0"/>
-          <a:fontRef idx="minor"/>
-        </p:style>
-        <p:txBody>
-          <a:bodyPr lIns="0" rIns="0" tIns="0" bIns="0">
-            <a:normAutofit/>
-          </a:bodyPr>
-          <a:p>
-            <a:pPr marL="432000" indent="-322920">
-              <a:lnSpc>
-                <a:spcPct val="100000"/>
-              </a:lnSpc>
-              <a:spcBef>
-                <a:spcPts val="1417"/>
-              </a:spcBef>
-              <a:buClr>
-                <a:srgbClr val="000000"/>
-              </a:buClr>
-              <a:buSzPct val="45000"/>
-              <a:buFont typeface="Wingdings" charset="2"/>
-              <a:buChar char=""/>
-            </a:pPr>
-            <a:r>
-              <a:rPr b="0" lang="en-GB" sz="3200" spc="-1" strike="noStrike">
-                <a:solidFill>
-                  <a:srgbClr val="000000"/>
-                </a:solidFill>
-                <a:latin typeface="Arial"/>
-                <a:ea typeface="DejaVu Sans"/>
-              </a:rPr>
-              <a:t>Last Generation Text to Speech</a:t>
-            </a:r>
-            <a:endParaRPr b="0" lang="en-GB" sz="3200" spc="-1" strike="noStrike">
-              <a:latin typeface="Arial"/>
-            </a:endParaRPr>
-          </a:p>
-          <a:p>
-            <a:pPr marL="432000" indent="-322920">
-              <a:lnSpc>
-                <a:spcPct val="100000"/>
-              </a:lnSpc>
-              <a:spcBef>
-                <a:spcPts val="1417"/>
-              </a:spcBef>
-              <a:buClr>
-                <a:srgbClr val="000000"/>
-              </a:buClr>
-              <a:buSzPct val="45000"/>
-              <a:buFont typeface="Wingdings" charset="2"/>
-              <a:buChar char=""/>
-            </a:pPr>
-            <a:r>
-              <a:rPr b="0" lang="en-GB" sz="3200" spc="-1" strike="noStrike">
-                <a:solidFill>
-                  <a:srgbClr val="000000"/>
-                </a:solidFill>
-                <a:latin typeface="Arial"/>
-                <a:ea typeface="DejaVu Sans"/>
-              </a:rPr>
-              <a:t>Lots of voices (though I haven't mastered install yet)</a:t>
-            </a:r>
-            <a:endParaRPr b="0" lang="en-GB" sz="3200" spc="-1" strike="noStrike">
-              <a:latin typeface="Arial"/>
-            </a:endParaRPr>
-          </a:p>
-          <a:p>
-            <a:pPr marL="432000" indent="-322920">
-              <a:lnSpc>
-                <a:spcPct val="100000"/>
-              </a:lnSpc>
-              <a:spcBef>
-                <a:spcPts val="1417"/>
-              </a:spcBef>
-              <a:buClr>
-                <a:srgbClr val="000000"/>
-              </a:buClr>
-              <a:buSzPct val="45000"/>
-              <a:buFont typeface="Wingdings" charset="2"/>
-              <a:buChar char=""/>
-            </a:pPr>
-            <a:r>
-              <a:rPr b="0" lang="en-GB" sz="3200" spc="-1" strike="noStrike">
-                <a:solidFill>
-                  <a:srgbClr val="000000"/>
-                </a:solidFill>
-                <a:latin typeface="Arial"/>
-                <a:ea typeface="DejaVu Sans"/>
-              </a:rPr>
-              <a:t>SSML Speech Markup language, slowing etc.</a:t>
-            </a:r>
-            <a:endParaRPr b="0" lang="en-GB" sz="3200" spc="-1" strike="noStrike">
-              <a:latin typeface="Arial"/>
-            </a:endParaRPr>
-          </a:p>
-          <a:p>
-            <a:pPr marL="432000" indent="-322920">
-              <a:lnSpc>
-                <a:spcPct val="100000"/>
-              </a:lnSpc>
-              <a:spcBef>
-                <a:spcPts val="1417"/>
-              </a:spcBef>
-              <a:buClr>
-                <a:srgbClr val="000000"/>
-              </a:buClr>
-              <a:buSzPct val="45000"/>
-              <a:buFont typeface="Wingdings" charset="2"/>
-              <a:buChar char=""/>
-            </a:pPr>
-            <a:r>
-              <a:rPr b="0" lang="en-GB" sz="3200" spc="-1" strike="noStrike">
-                <a:solidFill>
-                  <a:srgbClr val="000000"/>
-                </a:solidFill>
-                <a:latin typeface="Arial"/>
-                <a:ea typeface="DejaVu Sans"/>
-              </a:rPr>
-              <a:t>Not full integrated with Rhasspy but will be</a:t>
-            </a:r>
-            <a:endParaRPr b="0" lang="en-GB" sz="3200" spc="-1" strike="noStrike">
-              <a:latin typeface="Arial"/>
-            </a:endParaRPr>
-          </a:p>
-          <a:p>
-            <a:pPr marL="432000" indent="-322920">
-              <a:lnSpc>
-                <a:spcPct val="100000"/>
-              </a:lnSpc>
-              <a:spcBef>
-                <a:spcPts val="1417"/>
-              </a:spcBef>
-              <a:buClr>
-                <a:srgbClr val="000000"/>
-              </a:buClr>
-              <a:buSzPct val="45000"/>
-              <a:buFont typeface="Wingdings" charset="2"/>
-              <a:buChar char=""/>
-            </a:pPr>
-            <a:r>
-              <a:rPr b="0" lang="en-GB" sz="3200" spc="-1" strike="noStrike">
-                <a:solidFill>
-                  <a:srgbClr val="000000"/>
-                </a:solidFill>
-                <a:latin typeface="Arial"/>
-                <a:ea typeface="DejaVu Sans"/>
-              </a:rPr>
-              <a:t>Used for prompts reading texts etc.</a:t>
-            </a:r>
-            <a:endParaRPr b="0" lang="en-GB" sz="3200" spc="-1" strike="noStrike">
-              <a:latin typeface="Arial"/>
-            </a:endParaRPr>
-          </a:p>
-        </p:txBody>
-      </p:sp>
+      </p:pic>
     </p:spTree>
   </p:cSld>
   <p:timing>
@@ -10620,29 +10849,231 @@
           <a:chExt cx="0" cy="0"/>
         </a:xfrm>
       </p:grpSpPr>
-      <p:pic>
-        <p:nvPicPr>
-          <p:cNvPr id="161" name="" descr=""/>
-          <p:cNvPicPr/>
+      <p:sp>
+        <p:nvSpPr>
+          <p:cNvPr id="161" name="CustomShape 1"/>
+          <p:cNvSpPr/>
           <p:nvPr/>
-        </p:nvPicPr>
-        <p:blipFill>
-          <a:blip r:embed="rId1"/>
-          <a:stretch/>
-        </p:blipFill>
-        <p:spPr>
-          <a:xfrm>
-            <a:off x="48600" y="1102680"/>
-            <a:ext cx="10080000" cy="3563640"/>
-          </a:xfrm>
-          <a:prstGeom prst="rect">
-            <a:avLst/>
-          </a:prstGeom>
+        </p:nvSpPr>
+        <p:spPr>
+          <a:xfrm>
+            <a:off x="504000" y="226080"/>
+            <a:ext cx="9069840" cy="944640"/>
+          </a:xfrm>
+          <a:prstGeom prst="rect">
+            <a:avLst/>
+          </a:prstGeom>
+          <a:noFill/>
           <a:ln>
             <a:noFill/>
           </a:ln>
         </p:spPr>
-      </p:pic>
+        <p:style>
+          <a:lnRef idx="0"/>
+          <a:fillRef idx="0"/>
+          <a:effectRef idx="0"/>
+          <a:fontRef idx="minor"/>
+        </p:style>
+        <p:txBody>
+          <a:bodyPr lIns="0" rIns="0" tIns="0" bIns="0" anchor="ctr"/>
+          <a:p>
+            <a:pPr algn="ctr">
+              <a:lnSpc>
+                <a:spcPct val="100000"/>
+              </a:lnSpc>
+            </a:pPr>
+            <a:r>
+              <a:rPr b="0" lang="en-GB" sz="4400" spc="-1" strike="noStrike">
+                <a:solidFill>
+                  <a:srgbClr val="000000"/>
+                </a:solidFill>
+                <a:latin typeface="Arial"/>
+                <a:ea typeface="DejaVu Sans"/>
+              </a:rPr>
+              <a:t>Mimic3: Port 59125</a:t>
+            </a:r>
+            <a:endParaRPr b="0" lang="en-GB" sz="4400" spc="-1" strike="noStrike">
+              <a:latin typeface="Arial"/>
+            </a:endParaRPr>
+          </a:p>
+        </p:txBody>
+      </p:sp>
+      <p:sp>
+        <p:nvSpPr>
+          <p:cNvPr id="162" name="CustomShape 2"/>
+          <p:cNvSpPr/>
+          <p:nvPr/>
+        </p:nvSpPr>
+        <p:spPr>
+          <a:xfrm>
+            <a:off x="504000" y="1326600"/>
+            <a:ext cx="9069840" cy="3286440"/>
+          </a:xfrm>
+          <a:prstGeom prst="rect">
+            <a:avLst/>
+          </a:prstGeom>
+          <a:noFill/>
+          <a:ln>
+            <a:noFill/>
+          </a:ln>
+        </p:spPr>
+        <p:style>
+          <a:lnRef idx="0"/>
+          <a:fillRef idx="0"/>
+          <a:effectRef idx="0"/>
+          <a:fontRef idx="minor"/>
+        </p:style>
+        <p:txBody>
+          <a:bodyPr lIns="0" rIns="0" tIns="0" bIns="0">
+            <a:normAutofit/>
+          </a:bodyPr>
+          <a:p>
+            <a:pPr marL="432000" indent="-322200">
+              <a:lnSpc>
+                <a:spcPct val="100000"/>
+              </a:lnSpc>
+              <a:spcBef>
+                <a:spcPts val="1417"/>
+              </a:spcBef>
+              <a:buClr>
+                <a:srgbClr val="000000"/>
+              </a:buClr>
+              <a:buSzPct val="45000"/>
+              <a:buFont typeface="Wingdings" charset="2"/>
+              <a:buChar char=""/>
+            </a:pPr>
+            <a:r>
+              <a:rPr b="0" lang="en-GB" sz="3200" spc="-1" strike="noStrike">
+                <a:solidFill>
+                  <a:srgbClr val="000000"/>
+                </a:solidFill>
+                <a:latin typeface="Arial"/>
+                <a:ea typeface="DejaVu Sans"/>
+              </a:rPr>
+              <a:t>Last Generation Text to Speech</a:t>
+            </a:r>
+            <a:endParaRPr b="0" lang="en-GB" sz="3200" spc="-1" strike="noStrike">
+              <a:latin typeface="Arial"/>
+            </a:endParaRPr>
+          </a:p>
+          <a:p>
+            <a:pPr marL="432000" indent="-322200">
+              <a:lnSpc>
+                <a:spcPct val="100000"/>
+              </a:lnSpc>
+              <a:spcBef>
+                <a:spcPts val="1417"/>
+              </a:spcBef>
+              <a:buClr>
+                <a:srgbClr val="000000"/>
+              </a:buClr>
+              <a:buSzPct val="45000"/>
+              <a:buFont typeface="Wingdings" charset="2"/>
+              <a:buChar char=""/>
+            </a:pPr>
+            <a:r>
+              <a:rPr b="0" lang="en-GB" sz="3200" spc="-1" strike="noStrike">
+                <a:solidFill>
+                  <a:srgbClr val="000000"/>
+                </a:solidFill>
+                <a:latin typeface="Arial"/>
+                <a:ea typeface="DejaVu Sans"/>
+              </a:rPr>
+              <a:t>Lots of voices (though I haven't mastered install yet)</a:t>
+            </a:r>
+            <a:endParaRPr b="0" lang="en-GB" sz="3200" spc="-1" strike="noStrike">
+              <a:latin typeface="Arial"/>
+            </a:endParaRPr>
+          </a:p>
+          <a:p>
+            <a:pPr marL="432000" indent="-322200">
+              <a:lnSpc>
+                <a:spcPct val="100000"/>
+              </a:lnSpc>
+              <a:spcBef>
+                <a:spcPts val="1417"/>
+              </a:spcBef>
+              <a:buClr>
+                <a:srgbClr val="000000"/>
+              </a:buClr>
+              <a:buSzPct val="45000"/>
+              <a:buFont typeface="Wingdings" charset="2"/>
+              <a:buChar char=""/>
+            </a:pPr>
+            <a:r>
+              <a:rPr b="0" lang="en-GB" sz="3200" spc="-1" strike="noStrike">
+                <a:solidFill>
+                  <a:srgbClr val="000000"/>
+                </a:solidFill>
+                <a:latin typeface="Arial"/>
+                <a:ea typeface="DejaVu Sans"/>
+              </a:rPr>
+              <a:t>SSML Speech Markup language, slowing etc.</a:t>
+            </a:r>
+            <a:endParaRPr b="0" lang="en-GB" sz="3200" spc="-1" strike="noStrike">
+              <a:latin typeface="Arial"/>
+            </a:endParaRPr>
+          </a:p>
+          <a:p>
+            <a:pPr marL="432000" indent="-322200">
+              <a:lnSpc>
+                <a:spcPct val="100000"/>
+              </a:lnSpc>
+              <a:spcBef>
+                <a:spcPts val="1417"/>
+              </a:spcBef>
+              <a:buClr>
+                <a:srgbClr val="000000"/>
+              </a:buClr>
+              <a:buSzPct val="45000"/>
+              <a:buFont typeface="Wingdings" charset="2"/>
+              <a:buChar char=""/>
+            </a:pPr>
+            <a:r>
+              <a:rPr b="0" lang="en-GB" sz="3200" spc="-1" strike="noStrike">
+                <a:solidFill>
+                  <a:srgbClr val="000000"/>
+                </a:solidFill>
+                <a:latin typeface="Arial"/>
+                <a:ea typeface="DejaVu Sans"/>
+              </a:rPr>
+              <a:t>Not full integrated with Rhasspy but will be</a:t>
+            </a:r>
+            <a:endParaRPr b="0" lang="en-GB" sz="3200" spc="-1" strike="noStrike">
+              <a:latin typeface="Arial"/>
+            </a:endParaRPr>
+          </a:p>
+          <a:p>
+            <a:pPr marL="432000" indent="-322200">
+              <a:lnSpc>
+                <a:spcPct val="100000"/>
+              </a:lnSpc>
+              <a:spcBef>
+                <a:spcPts val="1417"/>
+              </a:spcBef>
+              <a:buClr>
+                <a:srgbClr val="000000"/>
+              </a:buClr>
+              <a:buSzPct val="45000"/>
+              <a:buFont typeface="Wingdings" charset="2"/>
+              <a:buChar char=""/>
+            </a:pPr>
+            <a:r>
+              <a:rPr b="0" lang="en-GB" sz="3200" spc="-1" strike="noStrike">
+                <a:solidFill>
+                  <a:srgbClr val="000000"/>
+                </a:solidFill>
+                <a:latin typeface="Arial"/>
+                <a:ea typeface="DejaVu Sans"/>
+              </a:rPr>
+              <a:t>Used for prompts reading texts etc.</a:t>
+            </a:r>
+            <a:endParaRPr b="0" lang="en-GB" sz="3200" spc="-1" strike="noStrike">
+              <a:latin typeface="Arial"/>
+            </a:endParaRPr>
+          </a:p>
+        </p:txBody>
+      </p:sp>
     </p:spTree>
   </p:cSld>
   <p:timing>
@@ -10692,231 +11123,29 @@
           <a:chExt cx="0" cy="0"/>
         </a:xfrm>
       </p:grpSpPr>
-      <p:sp>
-        <p:nvSpPr>
-          <p:cNvPr id="162" name="CustomShape 1"/>
-          <p:cNvSpPr/>
+      <p:pic>
+        <p:nvPicPr>
+          <p:cNvPr id="163" name="" descr=""/>
+          <p:cNvPicPr/>
           <p:nvPr/>
-        </p:nvSpPr>
-        <p:spPr>
-          <a:xfrm>
-            <a:off x="504000" y="226080"/>
-            <a:ext cx="9070560" cy="945360"/>
-          </a:xfrm>
-          <a:prstGeom prst="rect">
-            <a:avLst/>
-          </a:prstGeom>
-          <a:noFill/>
+        </p:nvPicPr>
+        <p:blipFill>
+          <a:blip r:embed="rId1"/>
+          <a:stretch/>
+        </p:blipFill>
+        <p:spPr>
+          <a:xfrm>
+            <a:off x="48600" y="1102680"/>
+            <a:ext cx="10079280" cy="3562920"/>
+          </a:xfrm>
+          <a:prstGeom prst="rect">
+            <a:avLst/>
+          </a:prstGeom>
           <a:ln>
             <a:noFill/>
           </a:ln>
         </p:spPr>
-        <p:style>
-          <a:lnRef idx="0"/>
-          <a:fillRef idx="0"/>
-          <a:effectRef idx="0"/>
-          <a:fontRef idx="minor"/>
-        </p:style>
-        <p:txBody>
-          <a:bodyPr lIns="0" rIns="0" tIns="0" bIns="0" anchor="ctr"/>
-          <a:p>
-            <a:pPr algn="ctr">
-              <a:lnSpc>
-                <a:spcPct val="100000"/>
-              </a:lnSpc>
-            </a:pPr>
-            <a:r>
-              <a:rPr b="0" lang="en-GB" sz="4400" spc="-1" strike="noStrike">
-                <a:solidFill>
-                  <a:srgbClr val="000000"/>
-                </a:solidFill>
-                <a:latin typeface="Arial"/>
-                <a:ea typeface="DejaVu Sans"/>
-              </a:rPr>
-              <a:t>Node-Red Port:1880</a:t>
-            </a:r>
-            <a:endParaRPr b="0" lang="en-GB" sz="4400" spc="-1" strike="noStrike">
-              <a:latin typeface="Arial"/>
-            </a:endParaRPr>
-          </a:p>
-        </p:txBody>
-      </p:sp>
-      <p:sp>
-        <p:nvSpPr>
-          <p:cNvPr id="163" name="CustomShape 2"/>
-          <p:cNvSpPr/>
-          <p:nvPr/>
-        </p:nvSpPr>
-        <p:spPr>
-          <a:xfrm>
-            <a:off x="504000" y="1326600"/>
-            <a:ext cx="9070560" cy="3287160"/>
-          </a:xfrm>
-          <a:prstGeom prst="rect">
-            <a:avLst/>
-          </a:prstGeom>
-          <a:noFill/>
-          <a:ln>
-            <a:noFill/>
-          </a:ln>
-        </p:spPr>
-        <p:style>
-          <a:lnRef idx="0"/>
-          <a:fillRef idx="0"/>
-          <a:effectRef idx="0"/>
-          <a:fontRef idx="minor"/>
-        </p:style>
-        <p:txBody>
-          <a:bodyPr lIns="0" rIns="0" tIns="0" bIns="0">
-            <a:normAutofit/>
-          </a:bodyPr>
-          <a:p>
-            <a:pPr marL="432000" indent="-322920">
-              <a:lnSpc>
-                <a:spcPct val="100000"/>
-              </a:lnSpc>
-              <a:spcBef>
-                <a:spcPts val="1417"/>
-              </a:spcBef>
-              <a:buClr>
-                <a:srgbClr val="000000"/>
-              </a:buClr>
-              <a:buSzPct val="45000"/>
-              <a:buFont typeface="Wingdings" charset="2"/>
-              <a:buChar char=""/>
-            </a:pPr>
-            <a:r>
-              <a:rPr b="0" lang="en-GB" sz="3200" spc="-1" strike="noStrike">
-                <a:solidFill>
-                  <a:srgbClr val="000000"/>
-                </a:solidFill>
-                <a:latin typeface="Arial"/>
-                <a:ea typeface="DejaVu Sans"/>
-              </a:rPr>
-              <a:t>Flow-based tool for visual programming</a:t>
-            </a:r>
-            <a:endParaRPr b="0" lang="en-GB" sz="3200" spc="-1" strike="noStrike">
-              <a:latin typeface="Arial"/>
-            </a:endParaRPr>
-          </a:p>
-          <a:p>
-            <a:pPr marL="432000" indent="-322920">
-              <a:lnSpc>
-                <a:spcPct val="100000"/>
-              </a:lnSpc>
-              <a:spcBef>
-                <a:spcPts val="1417"/>
-              </a:spcBef>
-              <a:buClr>
-                <a:srgbClr val="000000"/>
-              </a:buClr>
-              <a:buSzPct val="45000"/>
-              <a:buFont typeface="Wingdings" charset="2"/>
-              <a:buChar char=""/>
-            </a:pPr>
-            <a:r>
-              <a:rPr b="0" lang="en-GB" sz="3200" spc="-1" strike="noStrike">
-                <a:solidFill>
-                  <a:srgbClr val="000000"/>
-                </a:solidFill>
-                <a:latin typeface="Arial"/>
-                <a:ea typeface="DejaVu Sans"/>
-              </a:rPr>
-              <a:t>Think Scratch for non-tech adults</a:t>
-            </a:r>
-            <a:endParaRPr b="0" lang="en-GB" sz="3200" spc="-1" strike="noStrike">
-              <a:latin typeface="Arial"/>
-            </a:endParaRPr>
-          </a:p>
-          <a:p>
-            <a:pPr marL="432000" indent="-322920">
-              <a:lnSpc>
-                <a:spcPct val="100000"/>
-              </a:lnSpc>
-              <a:spcBef>
-                <a:spcPts val="1417"/>
-              </a:spcBef>
-              <a:buClr>
-                <a:srgbClr val="000000"/>
-              </a:buClr>
-              <a:buSzPct val="45000"/>
-              <a:buFont typeface="Wingdings" charset="2"/>
-              <a:buChar char=""/>
-            </a:pPr>
-            <a:r>
-              <a:rPr b="0" lang="en-GB" sz="3200" spc="-1" strike="noStrike">
-                <a:solidFill>
-                  <a:srgbClr val="000000"/>
-                </a:solidFill>
-                <a:latin typeface="Arial"/>
-                <a:ea typeface="DejaVu Sans"/>
-              </a:rPr>
-              <a:t>Used to glue the small pieces together</a:t>
-            </a:r>
-            <a:endParaRPr b="0" lang="en-GB" sz="3200" spc="-1" strike="noStrike">
-              <a:latin typeface="Arial"/>
-            </a:endParaRPr>
-          </a:p>
-          <a:p>
-            <a:pPr marL="432000" indent="-322920">
-              <a:lnSpc>
-                <a:spcPct val="100000"/>
-              </a:lnSpc>
-              <a:spcBef>
-                <a:spcPts val="1417"/>
-              </a:spcBef>
-              <a:buClr>
-                <a:srgbClr val="000000"/>
-              </a:buClr>
-              <a:buSzPct val="45000"/>
-              <a:buFont typeface="Wingdings" charset="2"/>
-              <a:buChar char=""/>
-            </a:pPr>
-            <a:r>
-              <a:rPr b="0" lang="en-GB" sz="3200" spc="-1" strike="noStrike">
-                <a:solidFill>
-                  <a:srgbClr val="000000"/>
-                </a:solidFill>
-                <a:latin typeface="Arial"/>
-                <a:ea typeface="DejaVu Sans"/>
-              </a:rPr>
-              <a:t>Provide quick new facilities</a:t>
-            </a:r>
-            <a:endParaRPr b="0" lang="en-GB" sz="3200" spc="-1" strike="noStrike">
-              <a:latin typeface="Arial"/>
-            </a:endParaRPr>
-          </a:p>
-          <a:p>
-            <a:pPr marL="432000" indent="-322920">
-              <a:lnSpc>
-                <a:spcPct val="100000"/>
-              </a:lnSpc>
-              <a:spcBef>
-                <a:spcPts val="1417"/>
-              </a:spcBef>
-              <a:buClr>
-                <a:srgbClr val="000000"/>
-              </a:buClr>
-              <a:buSzPct val="45000"/>
-              <a:buFont typeface="Wingdings" charset="2"/>
-              <a:buChar char=""/>
-            </a:pPr>
-            <a:r>
-              <a:rPr b="0" lang="en-GB" sz="3200" spc="-1" strike="noStrike">
-                <a:solidFill>
-                  <a:srgbClr val="000000"/>
-                </a:solidFill>
-                <a:latin typeface="Arial"/>
-                <a:ea typeface="DejaVu Sans"/>
-              </a:rPr>
-              <a:t>Interacts with mosquitto</a:t>
-            </a:r>
-            <a:endParaRPr b="0" lang="en-GB" sz="3200" spc="-1" strike="noStrike">
-              <a:latin typeface="Arial"/>
-            </a:endParaRPr>
-          </a:p>
-        </p:txBody>
-      </p:sp>
+      </p:pic>
     </p:spTree>
   </p:cSld>
   <p:timing>
@@ -10966,29 +11195,231 @@
           <a:chExt cx="0" cy="0"/>
         </a:xfrm>
       </p:grpSpPr>
-      <p:pic>
-        <p:nvPicPr>
-          <p:cNvPr id="164" name="" descr=""/>
-          <p:cNvPicPr/>
+      <p:sp>
+        <p:nvSpPr>
+          <p:cNvPr id="164" name="CustomShape 1"/>
+          <p:cNvSpPr/>
           <p:nvPr/>
-        </p:nvPicPr>
-        <p:blipFill>
-          <a:blip r:embed="rId1"/>
-          <a:stretch/>
-        </p:blipFill>
-        <p:spPr>
-          <a:xfrm>
-            <a:off x="126360" y="398880"/>
-            <a:ext cx="9924480" cy="4971240"/>
-          </a:xfrm>
-          <a:prstGeom prst="rect">
-            <a:avLst/>
-          </a:prstGeom>
+        </p:nvSpPr>
+        <p:spPr>
+          <a:xfrm>
+            <a:off x="504000" y="226080"/>
+            <a:ext cx="9069840" cy="944640"/>
+          </a:xfrm>
+          <a:prstGeom prst="rect">
+            <a:avLst/>
+          </a:prstGeom>
+          <a:noFill/>
           <a:ln>
             <a:noFill/>
           </a:ln>
         </p:spPr>
-      </p:pic>
+        <p:style>
+          <a:lnRef idx="0"/>
+          <a:fillRef idx="0"/>
+          <a:effectRef idx="0"/>
+          <a:fontRef idx="minor"/>
+        </p:style>
+        <p:txBody>
+          <a:bodyPr lIns="0" rIns="0" tIns="0" bIns="0" anchor="ctr"/>
+          <a:p>
+            <a:pPr algn="ctr">
+              <a:lnSpc>
+                <a:spcPct val="100000"/>
+              </a:lnSpc>
+            </a:pPr>
+            <a:r>
+              <a:rPr b="0" lang="en-GB" sz="4400" spc="-1" strike="noStrike">
+                <a:solidFill>
+                  <a:srgbClr val="000000"/>
+                </a:solidFill>
+                <a:latin typeface="Arial"/>
+                <a:ea typeface="DejaVu Sans"/>
+              </a:rPr>
+              <a:t>Node-Red Port:1880</a:t>
+            </a:r>
+            <a:endParaRPr b="0" lang="en-GB" sz="4400" spc="-1" strike="noStrike">
+              <a:latin typeface="Arial"/>
+            </a:endParaRPr>
+          </a:p>
+        </p:txBody>
+      </p:sp>
+      <p:sp>
+        <p:nvSpPr>
+          <p:cNvPr id="165" name="CustomShape 2"/>
+          <p:cNvSpPr/>
+          <p:nvPr/>
+        </p:nvSpPr>
+        <p:spPr>
+          <a:xfrm>
+            <a:off x="504000" y="1326600"/>
+            <a:ext cx="9069840" cy="3286440"/>
+          </a:xfrm>
+          <a:prstGeom prst="rect">
+            <a:avLst/>
+          </a:prstGeom>
+          <a:noFill/>
+          <a:ln>
+            <a:noFill/>
+          </a:ln>
+        </p:spPr>
+        <p:style>
+          <a:lnRef idx="0"/>
+          <a:fillRef idx="0"/>
+          <a:effectRef idx="0"/>
+          <a:fontRef idx="minor"/>
+        </p:style>
+        <p:txBody>
+          <a:bodyPr lIns="0" rIns="0" tIns="0" bIns="0">
+            <a:normAutofit/>
+          </a:bodyPr>
+          <a:p>
+            <a:pPr marL="432000" indent="-322200">
+              <a:lnSpc>
+                <a:spcPct val="100000"/>
+              </a:lnSpc>
+              <a:spcBef>
+                <a:spcPts val="1417"/>
+              </a:spcBef>
+              <a:buClr>
+                <a:srgbClr val="000000"/>
+              </a:buClr>
+              <a:buSzPct val="45000"/>
+              <a:buFont typeface="Wingdings" charset="2"/>
+              <a:buChar char=""/>
+            </a:pPr>
+            <a:r>
+              <a:rPr b="0" lang="en-GB" sz="3200" spc="-1" strike="noStrike">
+                <a:solidFill>
+                  <a:srgbClr val="000000"/>
+                </a:solidFill>
+                <a:latin typeface="Arial"/>
+                <a:ea typeface="DejaVu Sans"/>
+              </a:rPr>
+              <a:t>Flow-based tool for visual programming</a:t>
+            </a:r>
+            <a:endParaRPr b="0" lang="en-GB" sz="3200" spc="-1" strike="noStrike">
+              <a:latin typeface="Arial"/>
+            </a:endParaRPr>
+          </a:p>
+          <a:p>
+            <a:pPr marL="432000" indent="-322200">
+              <a:lnSpc>
+                <a:spcPct val="100000"/>
+              </a:lnSpc>
+              <a:spcBef>
+                <a:spcPts val="1417"/>
+              </a:spcBef>
+              <a:buClr>
+                <a:srgbClr val="000000"/>
+              </a:buClr>
+              <a:buSzPct val="45000"/>
+              <a:buFont typeface="Wingdings" charset="2"/>
+              <a:buChar char=""/>
+            </a:pPr>
+            <a:r>
+              <a:rPr b="0" lang="en-GB" sz="3200" spc="-1" strike="noStrike">
+                <a:solidFill>
+                  <a:srgbClr val="000000"/>
+                </a:solidFill>
+                <a:latin typeface="Arial"/>
+                <a:ea typeface="DejaVu Sans"/>
+              </a:rPr>
+              <a:t>Think Scratch for non-tech adults</a:t>
+            </a:r>
+            <a:endParaRPr b="0" lang="en-GB" sz="3200" spc="-1" strike="noStrike">
+              <a:latin typeface="Arial"/>
+            </a:endParaRPr>
+          </a:p>
+          <a:p>
+            <a:pPr marL="432000" indent="-322200">
+              <a:lnSpc>
+                <a:spcPct val="100000"/>
+              </a:lnSpc>
+              <a:spcBef>
+                <a:spcPts val="1417"/>
+              </a:spcBef>
+              <a:buClr>
+                <a:srgbClr val="000000"/>
+              </a:buClr>
+              <a:buSzPct val="45000"/>
+              <a:buFont typeface="Wingdings" charset="2"/>
+              <a:buChar char=""/>
+            </a:pPr>
+            <a:r>
+              <a:rPr b="0" lang="en-GB" sz="3200" spc="-1" strike="noStrike">
+                <a:solidFill>
+                  <a:srgbClr val="000000"/>
+                </a:solidFill>
+                <a:latin typeface="Arial"/>
+                <a:ea typeface="DejaVu Sans"/>
+              </a:rPr>
+              <a:t>Used to glue the small pieces together</a:t>
+            </a:r>
+            <a:endParaRPr b="0" lang="en-GB" sz="3200" spc="-1" strike="noStrike">
+              <a:latin typeface="Arial"/>
+            </a:endParaRPr>
+          </a:p>
+          <a:p>
+            <a:pPr marL="432000" indent="-322200">
+              <a:lnSpc>
+                <a:spcPct val="100000"/>
+              </a:lnSpc>
+              <a:spcBef>
+                <a:spcPts val="1417"/>
+              </a:spcBef>
+              <a:buClr>
+                <a:srgbClr val="000000"/>
+              </a:buClr>
+              <a:buSzPct val="45000"/>
+              <a:buFont typeface="Wingdings" charset="2"/>
+              <a:buChar char=""/>
+            </a:pPr>
+            <a:r>
+              <a:rPr b="0" lang="en-GB" sz="3200" spc="-1" strike="noStrike">
+                <a:solidFill>
+                  <a:srgbClr val="000000"/>
+                </a:solidFill>
+                <a:latin typeface="Arial"/>
+                <a:ea typeface="DejaVu Sans"/>
+              </a:rPr>
+              <a:t>Provide quick new facilities</a:t>
+            </a:r>
+            <a:endParaRPr b="0" lang="en-GB" sz="3200" spc="-1" strike="noStrike">
+              <a:latin typeface="Arial"/>
+            </a:endParaRPr>
+          </a:p>
+          <a:p>
+            <a:pPr marL="432000" indent="-322200">
+              <a:lnSpc>
+                <a:spcPct val="100000"/>
+              </a:lnSpc>
+              <a:spcBef>
+                <a:spcPts val="1417"/>
+              </a:spcBef>
+              <a:buClr>
+                <a:srgbClr val="000000"/>
+              </a:buClr>
+              <a:buSzPct val="45000"/>
+              <a:buFont typeface="Wingdings" charset="2"/>
+              <a:buChar char=""/>
+            </a:pPr>
+            <a:r>
+              <a:rPr b="0" lang="en-GB" sz="3200" spc="-1" strike="noStrike">
+                <a:solidFill>
+                  <a:srgbClr val="000000"/>
+                </a:solidFill>
+                <a:latin typeface="Arial"/>
+                <a:ea typeface="DejaVu Sans"/>
+              </a:rPr>
+              <a:t>Interacts with mosquitto</a:t>
+            </a:r>
+            <a:endParaRPr b="0" lang="en-GB" sz="3200" spc="-1" strike="noStrike">
+              <a:latin typeface="Arial"/>
+            </a:endParaRPr>
+          </a:p>
+        </p:txBody>
+      </p:sp>
     </p:spTree>
   </p:cSld>
   <p:timing>
@@ -11038,231 +11469,29 @@
           <a:chExt cx="0" cy="0"/>
         </a:xfrm>
       </p:grpSpPr>
-      <p:sp>
-        <p:nvSpPr>
-          <p:cNvPr id="165" name="CustomShape 1"/>
-          <p:cNvSpPr/>
+      <p:pic>
+        <p:nvPicPr>
+          <p:cNvPr id="166" name="" descr=""/>
+          <p:cNvPicPr/>
           <p:nvPr/>
-        </p:nvSpPr>
-        <p:spPr>
-          <a:xfrm>
-            <a:off x="504000" y="226080"/>
-            <a:ext cx="9070560" cy="945360"/>
-          </a:xfrm>
-          <a:prstGeom prst="rect">
-            <a:avLst/>
-          </a:prstGeom>
-          <a:noFill/>
+        </p:nvPicPr>
+        <p:blipFill>
+          <a:blip r:embed="rId1"/>
+          <a:stretch/>
+        </p:blipFill>
+        <p:spPr>
+          <a:xfrm>
+            <a:off x="126360" y="398880"/>
+            <a:ext cx="9923760" cy="4970520"/>
+          </a:xfrm>
+          <a:prstGeom prst="rect">
+            <a:avLst/>
+          </a:prstGeom>
           <a:ln>
             <a:noFill/>
           </a:ln>
         </p:spPr>
-        <p:style>
-          <a:lnRef idx="0"/>
-          <a:fillRef idx="0"/>
-          <a:effectRef idx="0"/>
-          <a:fontRef idx="minor"/>
-        </p:style>
-        <p:txBody>
-          <a:bodyPr lIns="0" rIns="0" tIns="0" bIns="0" anchor="ctr"/>
-          <a:p>
-            <a:pPr algn="ctr">
-              <a:lnSpc>
-                <a:spcPct val="100000"/>
-              </a:lnSpc>
-            </a:pPr>
-            <a:r>
-              <a:rPr b="0" lang="en-GB" sz="4400" spc="-1" strike="noStrike">
-                <a:solidFill>
-                  <a:srgbClr val="000000"/>
-                </a:solidFill>
-                <a:latin typeface="Arial"/>
-                <a:ea typeface="DejaVu Sans"/>
-              </a:rPr>
-              <a:t>Mosquitto Port 1883</a:t>
-            </a:r>
-            <a:endParaRPr b="0" lang="en-GB" sz="4400" spc="-1" strike="noStrike">
-              <a:latin typeface="Arial"/>
-            </a:endParaRPr>
-          </a:p>
-        </p:txBody>
-      </p:sp>
-      <p:sp>
-        <p:nvSpPr>
-          <p:cNvPr id="166" name="CustomShape 2"/>
-          <p:cNvSpPr/>
-          <p:nvPr/>
-        </p:nvSpPr>
-        <p:spPr>
-          <a:xfrm>
-            <a:off x="504000" y="1326600"/>
-            <a:ext cx="9070560" cy="3287160"/>
-          </a:xfrm>
-          <a:prstGeom prst="rect">
-            <a:avLst/>
-          </a:prstGeom>
-          <a:noFill/>
-          <a:ln>
-            <a:noFill/>
-          </a:ln>
-        </p:spPr>
-        <p:style>
-          <a:lnRef idx="0"/>
-          <a:fillRef idx="0"/>
-          <a:effectRef idx="0"/>
-          <a:fontRef idx="minor"/>
-        </p:style>
-        <p:txBody>
-          <a:bodyPr lIns="0" rIns="0" tIns="0" bIns="0">
-            <a:normAutofit/>
-          </a:bodyPr>
-          <a:p>
-            <a:pPr marL="432000" indent="-322920">
-              <a:lnSpc>
-                <a:spcPct val="100000"/>
-              </a:lnSpc>
-              <a:spcBef>
-                <a:spcPts val="1417"/>
-              </a:spcBef>
-              <a:buClr>
-                <a:srgbClr val="000000"/>
-              </a:buClr>
-              <a:buSzPct val="45000"/>
-              <a:buFont typeface="Wingdings" charset="2"/>
-              <a:buChar char=""/>
-            </a:pPr>
-            <a:r>
-              <a:rPr b="0" lang="en-GB" sz="3200" spc="-1" strike="noStrike">
-                <a:solidFill>
-                  <a:srgbClr val="000000"/>
-                </a:solidFill>
-                <a:latin typeface="Arial"/>
-                <a:ea typeface="DejaVu Sans"/>
-              </a:rPr>
-              <a:t>Message broker</a:t>
-            </a:r>
-            <a:endParaRPr b="0" lang="en-GB" sz="3200" spc="-1" strike="noStrike">
-              <a:latin typeface="Arial"/>
-            </a:endParaRPr>
-          </a:p>
-          <a:p>
-            <a:pPr marL="432000" indent="-322920">
-              <a:lnSpc>
-                <a:spcPct val="100000"/>
-              </a:lnSpc>
-              <a:spcBef>
-                <a:spcPts val="1417"/>
-              </a:spcBef>
-              <a:buClr>
-                <a:srgbClr val="000000"/>
-              </a:buClr>
-              <a:buSzPct val="45000"/>
-              <a:buFont typeface="Wingdings" charset="2"/>
-              <a:buChar char=""/>
-            </a:pPr>
-            <a:r>
-              <a:rPr b="0" lang="en-GB" sz="3200" spc="-1" strike="noStrike">
-                <a:solidFill>
-                  <a:srgbClr val="000000"/>
-                </a:solidFill>
-                <a:latin typeface="Arial"/>
-                <a:ea typeface="DejaVu Sans"/>
-              </a:rPr>
-              <a:t>(Currently) Listens for 'intent' messages</a:t>
-            </a:r>
-            <a:endParaRPr b="0" lang="en-GB" sz="3200" spc="-1" strike="noStrike">
-              <a:latin typeface="Arial"/>
-            </a:endParaRPr>
-          </a:p>
-          <a:p>
-            <a:pPr marL="432000" indent="-322920">
-              <a:lnSpc>
-                <a:spcPct val="100000"/>
-              </a:lnSpc>
-              <a:spcBef>
-                <a:spcPts val="1417"/>
-              </a:spcBef>
-              <a:buClr>
-                <a:srgbClr val="000000"/>
-              </a:buClr>
-              <a:buSzPct val="45000"/>
-              <a:buFont typeface="Wingdings" charset="2"/>
-              <a:buChar char=""/>
-            </a:pPr>
-            <a:r>
-              <a:rPr b="0" lang="en-GB" sz="3200" spc="-1" strike="noStrike">
-                <a:solidFill>
-                  <a:srgbClr val="000000"/>
-                </a:solidFill>
-                <a:latin typeface="Arial"/>
-                <a:ea typeface="DejaVu Sans"/>
-              </a:rPr>
-              <a:t>Publishes them to Node-Red</a:t>
-            </a:r>
-            <a:endParaRPr b="0" lang="en-GB" sz="3200" spc="-1" strike="noStrike">
-              <a:latin typeface="Arial"/>
-            </a:endParaRPr>
-          </a:p>
-          <a:p>
-            <a:pPr marL="432000" indent="-322920">
-              <a:lnSpc>
-                <a:spcPct val="100000"/>
-              </a:lnSpc>
-              <a:spcBef>
-                <a:spcPts val="1417"/>
-              </a:spcBef>
-              <a:buClr>
-                <a:srgbClr val="000000"/>
-              </a:buClr>
-              <a:buSzPct val="45000"/>
-              <a:buFont typeface="Wingdings" charset="2"/>
-              <a:buChar char=""/>
-            </a:pPr>
-            <a:r>
-              <a:rPr b="0" lang="en-GB" sz="3200" spc="-1" strike="noStrike">
-                <a:solidFill>
-                  <a:srgbClr val="000000"/>
-                </a:solidFill>
-                <a:latin typeface="Arial"/>
-                <a:ea typeface="DejaVu Sans"/>
-              </a:rPr>
-              <a:t>Node-Red does local processing in a 'flow'</a:t>
-            </a:r>
-            <a:endParaRPr b="0" lang="en-GB" sz="3200" spc="-1" strike="noStrike">
-              <a:latin typeface="Arial"/>
-            </a:endParaRPr>
-          </a:p>
-          <a:p>
-            <a:pPr marL="432000" indent="-322920">
-              <a:lnSpc>
-                <a:spcPct val="100000"/>
-              </a:lnSpc>
-              <a:spcBef>
-                <a:spcPts val="1417"/>
-              </a:spcBef>
-              <a:buClr>
-                <a:srgbClr val="000000"/>
-              </a:buClr>
-              <a:buSzPct val="45000"/>
-              <a:buFont typeface="Wingdings" charset="2"/>
-              <a:buChar char=""/>
-            </a:pPr>
-            <a:r>
-              <a:rPr b="0" lang="en-GB" sz="3200" spc="-1" strike="noStrike">
-                <a:solidFill>
-                  <a:srgbClr val="000000"/>
-                </a:solidFill>
-                <a:latin typeface="Arial"/>
-                <a:ea typeface="DejaVu Sans"/>
-              </a:rPr>
-              <a:t>Node-Red pushes them towards the custom bit</a:t>
-            </a:r>
-            <a:endParaRPr b="0" lang="en-GB" sz="3200" spc="-1" strike="noStrike">
-              <a:latin typeface="Arial"/>
-            </a:endParaRPr>
-          </a:p>
-        </p:txBody>
-      </p:sp>
+      </p:pic>
     </p:spTree>
   </p:cSld>
   <p:timing>
